--- a/00_Dokumentation/03_Präsentation/02_Präsentationen/MSE-Master-Thesis – 28.11.pptx
+++ b/00_Dokumentation/03_Präsentation/02_Präsentationen/MSE-Master-Thesis – 28.11.pptx
@@ -157,13 +157,807 @@
 <file path=ppt/revisionInfo.xml><?xml version="1.0" encoding="utf-8"?>
 <p1510:revInfo xmlns:a="http://schemas.openxmlformats.org/drawingml/2006/main" xmlns:r="http://schemas.openxmlformats.org/officeDocument/2006/relationships" xmlns:p1510="http://schemas.microsoft.com/office/powerpoint/2015/10/main">
   <p1510:revLst>
-    <p1510:client id="{F5D817D4-B95E-4E17-82DC-0F3432201AD6}" v="268" dt="2024-11-28T12:31:18.685"/>
+    <p1510:client id="{3947B432-B932-4219-9D0C-F5F7411DC775}" v="1" dt="2025-01-15T09:45:34.044"/>
   </p1510:revLst>
 </p1510:revInfo>
 </file>
 
 <file path=ppt/changesInfos/changesInfo1.xml><?xml version="1.0" encoding="utf-8"?>
 <pc:chgInfo xmlns:a="http://schemas.openxmlformats.org/drawingml/2006/main" xmlns:r="http://schemas.openxmlformats.org/officeDocument/2006/relationships" xmlns:ac="http://schemas.microsoft.com/office/drawing/2013/main/command" xmlns:pc="http://schemas.microsoft.com/office/powerpoint/2013/main/command">
+  <pc:docChgLst>
+    <pc:chgData name="Yannick Spatz" userId="7b660818652cf050" providerId="LiveId" clId="{F5D817D4-B95E-4E17-82DC-0F3432201AD6}"/>
+    <pc:docChg chg="undo custSel addSld delSld modSld">
+      <pc:chgData name="Yannick Spatz" userId="7b660818652cf050" providerId="LiveId" clId="{F5D817D4-B95E-4E17-82DC-0F3432201AD6}" dt="2024-11-28T12:31:18.685" v="2201" actId="20577"/>
+      <pc:docMkLst>
+        <pc:docMk/>
+      </pc:docMkLst>
+      <pc:sldChg chg="modSp mod">
+        <pc:chgData name="Yannick Spatz" userId="7b660818652cf050" providerId="LiveId" clId="{F5D817D4-B95E-4E17-82DC-0F3432201AD6}" dt="2024-11-28T07:55:38.977" v="10" actId="20577"/>
+        <pc:sldMkLst>
+          <pc:docMk/>
+          <pc:sldMk cId="0" sldId="256"/>
+        </pc:sldMkLst>
+        <pc:spChg chg="mod">
+          <ac:chgData name="Yannick Spatz" userId="7b660818652cf050" providerId="LiveId" clId="{F5D817D4-B95E-4E17-82DC-0F3432201AD6}" dt="2024-11-28T07:55:38.977" v="10" actId="20577"/>
+          <ac:spMkLst>
+            <pc:docMk/>
+            <pc:sldMk cId="0" sldId="256"/>
+            <ac:spMk id="16" creationId="{C6C8A689-2479-4E8F-8348-213A550E89FB}"/>
+          </ac:spMkLst>
+        </pc:spChg>
+      </pc:sldChg>
+      <pc:sldChg chg="addSp delSp modSp mod delAnim modAnim modNotesTx">
+        <pc:chgData name="Yannick Spatz" userId="7b660818652cf050" providerId="LiveId" clId="{F5D817D4-B95E-4E17-82DC-0F3432201AD6}" dt="2024-11-28T08:37:21.266" v="775"/>
+        <pc:sldMkLst>
+          <pc:docMk/>
+          <pc:sldMk cId="0" sldId="260"/>
+        </pc:sldMkLst>
+        <pc:spChg chg="add mod">
+          <ac:chgData name="Yannick Spatz" userId="7b660818652cf050" providerId="LiveId" clId="{F5D817D4-B95E-4E17-82DC-0F3432201AD6}" dt="2024-11-28T08:31:27.495" v="721" actId="1076"/>
+          <ac:spMkLst>
+            <pc:docMk/>
+            <pc:sldMk cId="0" sldId="260"/>
+            <ac:spMk id="3" creationId="{5D05D5D2-531F-8B45-EC7E-58D61DAD5369}"/>
+          </ac:spMkLst>
+        </pc:spChg>
+        <pc:spChg chg="mod">
+          <ac:chgData name="Yannick Spatz" userId="7b660818652cf050" providerId="LiveId" clId="{F5D817D4-B95E-4E17-82DC-0F3432201AD6}" dt="2024-11-28T08:36:19.782" v="763" actId="20577"/>
+          <ac:spMkLst>
+            <pc:docMk/>
+            <pc:sldMk cId="0" sldId="260"/>
+            <ac:spMk id="4" creationId="{53D00134-78A0-4B8B-BC91-BBE40571A63D}"/>
+          </ac:spMkLst>
+        </pc:spChg>
+        <pc:spChg chg="add mod">
+          <ac:chgData name="Yannick Spatz" userId="7b660818652cf050" providerId="LiveId" clId="{F5D817D4-B95E-4E17-82DC-0F3432201AD6}" dt="2024-11-28T08:31:17.232" v="719" actId="1076"/>
+          <ac:spMkLst>
+            <pc:docMk/>
+            <pc:sldMk cId="0" sldId="260"/>
+            <ac:spMk id="5" creationId="{3559777F-4653-847C-2067-246DA7B3AEB3}"/>
+          </ac:spMkLst>
+        </pc:spChg>
+        <pc:spChg chg="add mod">
+          <ac:chgData name="Yannick Spatz" userId="7b660818652cf050" providerId="LiveId" clId="{F5D817D4-B95E-4E17-82DC-0F3432201AD6}" dt="2024-11-28T08:31:31.167" v="722" actId="1076"/>
+          <ac:spMkLst>
+            <pc:docMk/>
+            <pc:sldMk cId="0" sldId="260"/>
+            <ac:spMk id="6" creationId="{8753F058-3E59-610B-E223-76C0839939B4}"/>
+          </ac:spMkLst>
+        </pc:spChg>
+        <pc:picChg chg="add mod">
+          <ac:chgData name="Yannick Spatz" userId="7b660818652cf050" providerId="LiveId" clId="{F5D817D4-B95E-4E17-82DC-0F3432201AD6}" dt="2024-11-28T08:30:03.528" v="701" actId="1076"/>
+          <ac:picMkLst>
+            <pc:docMk/>
+            <pc:sldMk cId="0" sldId="260"/>
+            <ac:picMk id="20" creationId="{957A3120-8308-027D-8032-ADEFCE1C82B4}"/>
+          </ac:picMkLst>
+        </pc:picChg>
+        <pc:picChg chg="add mod">
+          <ac:chgData name="Yannick Spatz" userId="7b660818652cf050" providerId="LiveId" clId="{F5D817D4-B95E-4E17-82DC-0F3432201AD6}" dt="2024-11-28T08:33:41.999" v="738" actId="1076"/>
+          <ac:picMkLst>
+            <pc:docMk/>
+            <pc:sldMk cId="0" sldId="260"/>
+            <ac:picMk id="34" creationId="{EABFC8DB-41DE-CF60-405C-55E80B97AF18}"/>
+          </ac:picMkLst>
+        </pc:picChg>
+        <pc:picChg chg="add mod">
+          <ac:chgData name="Yannick Spatz" userId="7b660818652cf050" providerId="LiveId" clId="{F5D817D4-B95E-4E17-82DC-0F3432201AD6}" dt="2024-11-28T08:33:39.153" v="737" actId="1076"/>
+          <ac:picMkLst>
+            <pc:docMk/>
+            <pc:sldMk cId="0" sldId="260"/>
+            <ac:picMk id="36" creationId="{19C18483-64A5-3961-DFF1-77F61ADA00CA}"/>
+          </ac:picMkLst>
+        </pc:picChg>
+        <pc:picChg chg="add mod">
+          <ac:chgData name="Yannick Spatz" userId="7b660818652cf050" providerId="LiveId" clId="{F5D817D4-B95E-4E17-82DC-0F3432201AD6}" dt="2024-11-28T08:36:02.599" v="753" actId="1076"/>
+          <ac:picMkLst>
+            <pc:docMk/>
+            <pc:sldMk cId="0" sldId="260"/>
+            <ac:picMk id="40" creationId="{F2A978D9-3B29-9DDD-0E1E-20AB2E992409}"/>
+          </ac:picMkLst>
+        </pc:picChg>
+        <pc:cxnChg chg="add mod">
+          <ac:chgData name="Yannick Spatz" userId="7b660818652cf050" providerId="LiveId" clId="{F5D817D4-B95E-4E17-82DC-0F3432201AD6}" dt="2024-11-28T08:36:51.822" v="768" actId="14100"/>
+          <ac:cxnSpMkLst>
+            <pc:docMk/>
+            <pc:sldMk cId="0" sldId="260"/>
+            <ac:cxnSpMk id="22" creationId="{BEDBF836-DC75-4833-59E2-739ED9445343}"/>
+          </ac:cxnSpMkLst>
+        </pc:cxnChg>
+        <pc:cxnChg chg="add mod">
+          <ac:chgData name="Yannick Spatz" userId="7b660818652cf050" providerId="LiveId" clId="{F5D817D4-B95E-4E17-82DC-0F3432201AD6}" dt="2024-11-28T08:31:40.367" v="727" actId="1076"/>
+          <ac:cxnSpMkLst>
+            <pc:docMk/>
+            <pc:sldMk cId="0" sldId="260"/>
+            <ac:cxnSpMk id="24" creationId="{63926D85-B95E-DEC0-14C7-C0C7B4BDF09A}"/>
+          </ac:cxnSpMkLst>
+        </pc:cxnChg>
+        <pc:cxnChg chg="add mod">
+          <ac:chgData name="Yannick Spatz" userId="7b660818652cf050" providerId="LiveId" clId="{F5D817D4-B95E-4E17-82DC-0F3432201AD6}" dt="2024-11-28T08:31:33.607" v="723" actId="1076"/>
+          <ac:cxnSpMkLst>
+            <pc:docMk/>
+            <pc:sldMk cId="0" sldId="260"/>
+            <ac:cxnSpMk id="26" creationId="{11731D89-BF15-7D4E-EE5F-2FB012C9424C}"/>
+          </ac:cxnSpMkLst>
+        </pc:cxnChg>
+        <pc:cxnChg chg="add mod">
+          <ac:chgData name="Yannick Spatz" userId="7b660818652cf050" providerId="LiveId" clId="{F5D817D4-B95E-4E17-82DC-0F3432201AD6}" dt="2024-11-28T08:36:42.799" v="764" actId="14100"/>
+          <ac:cxnSpMkLst>
+            <pc:docMk/>
+            <pc:sldMk cId="0" sldId="260"/>
+            <ac:cxnSpMk id="27" creationId="{6F76D51F-7AF2-AA4D-8ED1-0C85AE584EAD}"/>
+          </ac:cxnSpMkLst>
+        </pc:cxnChg>
+        <pc:cxnChg chg="add mod">
+          <ac:chgData name="Yannick Spatz" userId="7b660818652cf050" providerId="LiveId" clId="{F5D817D4-B95E-4E17-82DC-0F3432201AD6}" dt="2024-11-28T08:36:48.816" v="767" actId="14100"/>
+          <ac:cxnSpMkLst>
+            <pc:docMk/>
+            <pc:sldMk cId="0" sldId="260"/>
+            <ac:cxnSpMk id="42" creationId="{ED7AF484-4806-DF99-6C88-C9B311DD9C28}"/>
+          </ac:cxnSpMkLst>
+        </pc:cxnChg>
+        <pc:cxnChg chg="add mod">
+          <ac:chgData name="Yannick Spatz" userId="7b660818652cf050" providerId="LiveId" clId="{F5D817D4-B95E-4E17-82DC-0F3432201AD6}" dt="2024-11-28T08:36:58.504" v="772" actId="1036"/>
+          <ac:cxnSpMkLst>
+            <pc:docMk/>
+            <pc:sldMk cId="0" sldId="260"/>
+            <ac:cxnSpMk id="46" creationId="{9C339F00-137D-A1E8-1D5F-54536E4760C6}"/>
+          </ac:cxnSpMkLst>
+        </pc:cxnChg>
+      </pc:sldChg>
+      <pc:sldChg chg="del">
+        <pc:chgData name="Yannick Spatz" userId="7b660818652cf050" providerId="LiveId" clId="{F5D817D4-B95E-4E17-82DC-0F3432201AD6}" dt="2024-11-28T07:55:50.878" v="11" actId="47"/>
+        <pc:sldMkLst>
+          <pc:docMk/>
+          <pc:sldMk cId="0" sldId="261"/>
+        </pc:sldMkLst>
+      </pc:sldChg>
+      <pc:sldChg chg="addSp delSp modSp add mod modAnim">
+        <pc:chgData name="Yannick Spatz" userId="7b660818652cf050" providerId="LiveId" clId="{F5D817D4-B95E-4E17-82DC-0F3432201AD6}" dt="2024-11-28T11:37:20.126" v="2093" actId="20577"/>
+        <pc:sldMkLst>
+          <pc:docMk/>
+          <pc:sldMk cId="2950067086" sldId="261"/>
+        </pc:sldMkLst>
+        <pc:spChg chg="mod">
+          <ac:chgData name="Yannick Spatz" userId="7b660818652cf050" providerId="LiveId" clId="{F5D817D4-B95E-4E17-82DC-0F3432201AD6}" dt="2024-11-28T11:37:20.126" v="2093" actId="20577"/>
+          <ac:spMkLst>
+            <pc:docMk/>
+            <pc:sldMk cId="2950067086" sldId="261"/>
+            <ac:spMk id="4" creationId="{01AD2EB6-76DE-8B69-CBE3-106D9E9431ED}"/>
+          </ac:spMkLst>
+        </pc:spChg>
+        <pc:picChg chg="add mod">
+          <ac:chgData name="Yannick Spatz" userId="7b660818652cf050" providerId="LiveId" clId="{F5D817D4-B95E-4E17-82DC-0F3432201AD6}" dt="2024-11-28T08:43:32.404" v="862" actId="1076"/>
+          <ac:picMkLst>
+            <pc:docMk/>
+            <pc:sldMk cId="2950067086" sldId="261"/>
+            <ac:picMk id="17" creationId="{7B77B245-CDD2-92F8-F3D3-D6DC2B0025B3}"/>
+          </ac:picMkLst>
+        </pc:picChg>
+      </pc:sldChg>
+      <pc:sldChg chg="del">
+        <pc:chgData name="Yannick Spatz" userId="7b660818652cf050" providerId="LiveId" clId="{F5D817D4-B95E-4E17-82DC-0F3432201AD6}" dt="2024-11-28T07:55:50.878" v="11" actId="47"/>
+        <pc:sldMkLst>
+          <pc:docMk/>
+          <pc:sldMk cId="0" sldId="262"/>
+        </pc:sldMkLst>
+      </pc:sldChg>
+      <pc:sldChg chg="addSp delSp modSp add mod modAnim modNotesTx">
+        <pc:chgData name="Yannick Spatz" userId="7b660818652cf050" providerId="LiveId" clId="{F5D817D4-B95E-4E17-82DC-0F3432201AD6}" dt="2024-11-28T11:26:23.736" v="1968" actId="1076"/>
+        <pc:sldMkLst>
+          <pc:docMk/>
+          <pc:sldMk cId="1064267695" sldId="262"/>
+        </pc:sldMkLst>
+        <pc:spChg chg="mod">
+          <ac:chgData name="Yannick Spatz" userId="7b660818652cf050" providerId="LiveId" clId="{F5D817D4-B95E-4E17-82DC-0F3432201AD6}" dt="2024-11-28T08:13:43.123" v="238" actId="20577"/>
+          <ac:spMkLst>
+            <pc:docMk/>
+            <pc:sldMk cId="1064267695" sldId="262"/>
+            <ac:spMk id="4" creationId="{4914B8C6-4C82-A668-7D6E-C488F5EDDF2C}"/>
+          </ac:spMkLst>
+        </pc:spChg>
+        <pc:spChg chg="add mod">
+          <ac:chgData name="Yannick Spatz" userId="7b660818652cf050" providerId="LiveId" clId="{F5D817D4-B95E-4E17-82DC-0F3432201AD6}" dt="2024-11-28T11:26:23.736" v="1968" actId="1076"/>
+          <ac:spMkLst>
+            <pc:docMk/>
+            <pc:sldMk cId="1064267695" sldId="262"/>
+            <ac:spMk id="22" creationId="{802F4138-6B35-81BE-43C8-30BCCBE8C4B9}"/>
+          </ac:spMkLst>
+        </pc:spChg>
+        <pc:picChg chg="add mod">
+          <ac:chgData name="Yannick Spatz" userId="7b660818652cf050" providerId="LiveId" clId="{F5D817D4-B95E-4E17-82DC-0F3432201AD6}" dt="2024-11-28T08:20:35.168" v="287" actId="1076"/>
+          <ac:picMkLst>
+            <pc:docMk/>
+            <pc:sldMk cId="1064267695" sldId="262"/>
+            <ac:picMk id="7" creationId="{6EEA0B83-780B-2F23-61FC-958B9B18A881}"/>
+          </ac:picMkLst>
+        </pc:picChg>
+        <pc:picChg chg="add mod">
+          <ac:chgData name="Yannick Spatz" userId="7b660818652cf050" providerId="LiveId" clId="{F5D817D4-B95E-4E17-82DC-0F3432201AD6}" dt="2024-11-28T08:20:34.375" v="286" actId="1076"/>
+          <ac:picMkLst>
+            <pc:docMk/>
+            <pc:sldMk cId="1064267695" sldId="262"/>
+            <ac:picMk id="10" creationId="{36727227-D4F0-242C-D7E0-19ED4820951B}"/>
+          </ac:picMkLst>
+        </pc:picChg>
+        <pc:picChg chg="add mod">
+          <ac:chgData name="Yannick Spatz" userId="7b660818652cf050" providerId="LiveId" clId="{F5D817D4-B95E-4E17-82DC-0F3432201AD6}" dt="2024-11-28T08:20:36.800" v="288" actId="1076"/>
+          <ac:picMkLst>
+            <pc:docMk/>
+            <pc:sldMk cId="1064267695" sldId="262"/>
+            <ac:picMk id="16" creationId="{37438514-12ED-5963-E54A-B04DFB193ECB}"/>
+          </ac:picMkLst>
+        </pc:picChg>
+      </pc:sldChg>
+      <pc:sldChg chg="addSp delSp modSp add mod delAnim modAnim">
+        <pc:chgData name="Yannick Spatz" userId="7b660818652cf050" providerId="LiveId" clId="{F5D817D4-B95E-4E17-82DC-0F3432201AD6}" dt="2024-11-28T11:37:30.992" v="2094" actId="20577"/>
+        <pc:sldMkLst>
+          <pc:docMk/>
+          <pc:sldMk cId="2018302662" sldId="263"/>
+        </pc:sldMkLst>
+        <pc:spChg chg="mod">
+          <ac:chgData name="Yannick Spatz" userId="7b660818652cf050" providerId="LiveId" clId="{F5D817D4-B95E-4E17-82DC-0F3432201AD6}" dt="2024-11-28T11:37:30.992" v="2094" actId="20577"/>
+          <ac:spMkLst>
+            <pc:docMk/>
+            <pc:sldMk cId="2018302662" sldId="263"/>
+            <ac:spMk id="4" creationId="{A4439BCF-B85A-F49E-8A82-B45AA97A89FA}"/>
+          </ac:spMkLst>
+        </pc:spChg>
+        <pc:spChg chg="add mod">
+          <ac:chgData name="Yannick Spatz" userId="7b660818652cf050" providerId="LiveId" clId="{F5D817D4-B95E-4E17-82DC-0F3432201AD6}" dt="2024-11-28T08:48:52.520" v="948" actId="1076"/>
+          <ac:spMkLst>
+            <pc:docMk/>
+            <pc:sldMk cId="2018302662" sldId="263"/>
+            <ac:spMk id="6" creationId="{666877B9-2F71-93AE-4877-2AC77BAA413A}"/>
+          </ac:spMkLst>
+        </pc:spChg>
+        <pc:spChg chg="add mod">
+          <ac:chgData name="Yannick Spatz" userId="7b660818652cf050" providerId="LiveId" clId="{F5D817D4-B95E-4E17-82DC-0F3432201AD6}" dt="2024-11-28T08:49:56.173" v="977" actId="1076"/>
+          <ac:spMkLst>
+            <pc:docMk/>
+            <pc:sldMk cId="2018302662" sldId="263"/>
+            <ac:spMk id="15" creationId="{EA84F645-1650-9FCB-429A-941D33C20493}"/>
+          </ac:spMkLst>
+        </pc:spChg>
+        <pc:spChg chg="add mod">
+          <ac:chgData name="Yannick Spatz" userId="7b660818652cf050" providerId="LiveId" clId="{F5D817D4-B95E-4E17-82DC-0F3432201AD6}" dt="2024-11-28T08:52:20.182" v="1011" actId="14100"/>
+          <ac:spMkLst>
+            <pc:docMk/>
+            <pc:sldMk cId="2018302662" sldId="263"/>
+            <ac:spMk id="32" creationId="{F8F97F3A-2DD4-0B19-3FA7-A1336D24F340}"/>
+          </ac:spMkLst>
+        </pc:spChg>
+        <pc:spChg chg="add mod">
+          <ac:chgData name="Yannick Spatz" userId="7b660818652cf050" providerId="LiveId" clId="{F5D817D4-B95E-4E17-82DC-0F3432201AD6}" dt="2024-11-28T08:52:55.575" v="1019" actId="1076"/>
+          <ac:spMkLst>
+            <pc:docMk/>
+            <pc:sldMk cId="2018302662" sldId="263"/>
+            <ac:spMk id="33" creationId="{C2CDFEE6-73A2-0617-638E-308908225CCC}"/>
+          </ac:spMkLst>
+        </pc:spChg>
+        <pc:picChg chg="add mod">
+          <ac:chgData name="Yannick Spatz" userId="7b660818652cf050" providerId="LiveId" clId="{F5D817D4-B95E-4E17-82DC-0F3432201AD6}" dt="2024-11-28T08:48:52.520" v="948" actId="1076"/>
+          <ac:picMkLst>
+            <pc:docMk/>
+            <pc:sldMk cId="2018302662" sldId="263"/>
+            <ac:picMk id="2" creationId="{A7D8A21E-F2E3-0010-F131-91FA857F4974}"/>
+          </ac:picMkLst>
+        </pc:picChg>
+        <pc:picChg chg="add mod">
+          <ac:chgData name="Yannick Spatz" userId="7b660818652cf050" providerId="LiveId" clId="{F5D817D4-B95E-4E17-82DC-0F3432201AD6}" dt="2024-11-28T08:51:04.985" v="997" actId="1582"/>
+          <ac:picMkLst>
+            <pc:docMk/>
+            <pc:sldMk cId="2018302662" sldId="263"/>
+            <ac:picMk id="5" creationId="{19BBFE6C-E3CC-ADAF-F433-C8EE56CC6004}"/>
+          </ac:picMkLst>
+        </pc:picChg>
+        <pc:picChg chg="add mod">
+          <ac:chgData name="Yannick Spatz" userId="7b660818652cf050" providerId="LiveId" clId="{F5D817D4-B95E-4E17-82DC-0F3432201AD6}" dt="2024-11-28T08:51:04.985" v="997" actId="1582"/>
+          <ac:picMkLst>
+            <pc:docMk/>
+            <pc:sldMk cId="2018302662" sldId="263"/>
+            <ac:picMk id="8" creationId="{40C8880A-47FD-1FB6-5A59-95D9FD8656AA}"/>
+          </ac:picMkLst>
+        </pc:picChg>
+        <pc:picChg chg="add mod">
+          <ac:chgData name="Yannick Spatz" userId="7b660818652cf050" providerId="LiveId" clId="{F5D817D4-B95E-4E17-82DC-0F3432201AD6}" dt="2024-11-28T08:51:04.985" v="997" actId="1582"/>
+          <ac:picMkLst>
+            <pc:docMk/>
+            <pc:sldMk cId="2018302662" sldId="263"/>
+            <ac:picMk id="14" creationId="{D1CECAA4-E4BF-DF27-580D-2E404CE91AD5}"/>
+          </ac:picMkLst>
+        </pc:picChg>
+        <pc:cxnChg chg="add mod">
+          <ac:chgData name="Yannick Spatz" userId="7b660818652cf050" providerId="LiveId" clId="{F5D817D4-B95E-4E17-82DC-0F3432201AD6}" dt="2024-11-28T08:50:31.180" v="990" actId="13822"/>
+          <ac:cxnSpMkLst>
+            <pc:docMk/>
+            <pc:sldMk cId="2018302662" sldId="263"/>
+            <ac:cxnSpMk id="18" creationId="{C885FD90-82E7-409F-D4BC-4CB175A937FC}"/>
+          </ac:cxnSpMkLst>
+        </pc:cxnChg>
+        <pc:cxnChg chg="add mod">
+          <ac:chgData name="Yannick Spatz" userId="7b660818652cf050" providerId="LiveId" clId="{F5D817D4-B95E-4E17-82DC-0F3432201AD6}" dt="2024-11-28T08:50:50.278" v="993" actId="14100"/>
+          <ac:cxnSpMkLst>
+            <pc:docMk/>
+            <pc:sldMk cId="2018302662" sldId="263"/>
+            <ac:cxnSpMk id="21" creationId="{B59EAE33-C584-FEC7-6601-1A7E637DD603}"/>
+          </ac:cxnSpMkLst>
+        </pc:cxnChg>
+        <pc:cxnChg chg="add mod">
+          <ac:chgData name="Yannick Spatz" userId="7b660818652cf050" providerId="LiveId" clId="{F5D817D4-B95E-4E17-82DC-0F3432201AD6}" dt="2024-11-28T08:50:48.223" v="992" actId="1076"/>
+          <ac:cxnSpMkLst>
+            <pc:docMk/>
+            <pc:sldMk cId="2018302662" sldId="263"/>
+            <ac:cxnSpMk id="24" creationId="{8271382E-5243-F2EF-222F-11C685A6FA1C}"/>
+          </ac:cxnSpMkLst>
+        </pc:cxnChg>
+        <pc:cxnChg chg="add mod">
+          <ac:chgData name="Yannick Spatz" userId="7b660818652cf050" providerId="LiveId" clId="{F5D817D4-B95E-4E17-82DC-0F3432201AD6}" dt="2024-11-28T08:50:31.180" v="990" actId="13822"/>
+          <ac:cxnSpMkLst>
+            <pc:docMk/>
+            <pc:sldMk cId="2018302662" sldId="263"/>
+            <ac:cxnSpMk id="28" creationId="{F4CE75E5-39CA-EF3A-F3AE-0229B90E282D}"/>
+          </ac:cxnSpMkLst>
+        </pc:cxnChg>
+      </pc:sldChg>
+      <pc:sldChg chg="add del">
+        <pc:chgData name="Yannick Spatz" userId="7b660818652cf050" providerId="LiveId" clId="{F5D817D4-B95E-4E17-82DC-0F3432201AD6}" dt="2024-11-28T08:43:32.816" v="863"/>
+        <pc:sldMkLst>
+          <pc:docMk/>
+          <pc:sldMk cId="2936038179" sldId="263"/>
+        </pc:sldMkLst>
+      </pc:sldChg>
+      <pc:sldChg chg="addSp delSp modSp add mod delAnim modAnim">
+        <pc:chgData name="Yannick Spatz" userId="7b660818652cf050" providerId="LiveId" clId="{F5D817D4-B95E-4E17-82DC-0F3432201AD6}" dt="2024-11-28T11:37:34.530" v="2095" actId="20577"/>
+        <pc:sldMkLst>
+          <pc:docMk/>
+          <pc:sldMk cId="2489777025" sldId="264"/>
+        </pc:sldMkLst>
+        <pc:spChg chg="add mod">
+          <ac:chgData name="Yannick Spatz" userId="7b660818652cf050" providerId="LiveId" clId="{F5D817D4-B95E-4E17-82DC-0F3432201AD6}" dt="2024-11-28T08:55:27.359" v="1030" actId="1076"/>
+          <ac:spMkLst>
+            <pc:docMk/>
+            <pc:sldMk cId="2489777025" sldId="264"/>
+            <ac:spMk id="3" creationId="{55FC8994-405B-3279-C04A-E0D87994903A}"/>
+          </ac:spMkLst>
+        </pc:spChg>
+        <pc:spChg chg="mod">
+          <ac:chgData name="Yannick Spatz" userId="7b660818652cf050" providerId="LiveId" clId="{F5D817D4-B95E-4E17-82DC-0F3432201AD6}" dt="2024-11-28T11:37:34.530" v="2095" actId="20577"/>
+          <ac:spMkLst>
+            <pc:docMk/>
+            <pc:sldMk cId="2489777025" sldId="264"/>
+            <ac:spMk id="4" creationId="{88414974-8C4D-A7A5-12AD-C76005F42948}"/>
+          </ac:spMkLst>
+        </pc:spChg>
+        <pc:spChg chg="add mod">
+          <ac:chgData name="Yannick Spatz" userId="7b660818652cf050" providerId="LiveId" clId="{F5D817D4-B95E-4E17-82DC-0F3432201AD6}" dt="2024-11-28T08:57:34.373" v="1111" actId="1076"/>
+          <ac:spMkLst>
+            <pc:docMk/>
+            <pc:sldMk cId="2489777025" sldId="264"/>
+            <ac:spMk id="7" creationId="{AA7FD505-FF1C-751F-6A0A-EEA15B88BB36}"/>
+          </ac:spMkLst>
+        </pc:spChg>
+        <pc:spChg chg="add mod">
+          <ac:chgData name="Yannick Spatz" userId="7b660818652cf050" providerId="LiveId" clId="{F5D817D4-B95E-4E17-82DC-0F3432201AD6}" dt="2024-11-28T08:57:38.093" v="1112" actId="1076"/>
+          <ac:spMkLst>
+            <pc:docMk/>
+            <pc:sldMk cId="2489777025" sldId="264"/>
+            <ac:spMk id="9" creationId="{47433A76-3701-F749-EEA6-080968C97329}"/>
+          </ac:spMkLst>
+        </pc:spChg>
+        <pc:spChg chg="add mod">
+          <ac:chgData name="Yannick Spatz" userId="7b660818652cf050" providerId="LiveId" clId="{F5D817D4-B95E-4E17-82DC-0F3432201AD6}" dt="2024-11-28T08:59:49.047" v="1159" actId="1076"/>
+          <ac:spMkLst>
+            <pc:docMk/>
+            <pc:sldMk cId="2489777025" sldId="264"/>
+            <ac:spMk id="12" creationId="{B7A724A0-EFC6-0CF0-0FF6-57DA6C3DBB84}"/>
+          </ac:spMkLst>
+        </pc:spChg>
+        <pc:spChg chg="add mod">
+          <ac:chgData name="Yannick Spatz" userId="7b660818652cf050" providerId="LiveId" clId="{F5D817D4-B95E-4E17-82DC-0F3432201AD6}" dt="2024-11-28T08:59:49.047" v="1159" actId="1076"/>
+          <ac:spMkLst>
+            <pc:docMk/>
+            <pc:sldMk cId="2489777025" sldId="264"/>
+            <ac:spMk id="13" creationId="{1CDD76B3-42B2-E8E0-7EF8-4AD91D45D4CD}"/>
+          </ac:spMkLst>
+        </pc:spChg>
+        <pc:picChg chg="add mod">
+          <ac:chgData name="Yannick Spatz" userId="7b660818652cf050" providerId="LiveId" clId="{F5D817D4-B95E-4E17-82DC-0F3432201AD6}" dt="2024-11-28T08:57:40.717" v="1113" actId="1076"/>
+          <ac:picMkLst>
+            <pc:docMk/>
+            <pc:sldMk cId="2489777025" sldId="264"/>
+            <ac:picMk id="11" creationId="{6F773088-AE85-BB97-8E38-6174D24B14BE}"/>
+          </ac:picMkLst>
+        </pc:picChg>
+        <pc:cxnChg chg="add mod">
+          <ac:chgData name="Yannick Spatz" userId="7b660818652cf050" providerId="LiveId" clId="{F5D817D4-B95E-4E17-82DC-0F3432201AD6}" dt="2024-11-28T09:00:37.924" v="1167" actId="14100"/>
+          <ac:cxnSpMkLst>
+            <pc:docMk/>
+            <pc:sldMk cId="2489777025" sldId="264"/>
+            <ac:cxnSpMk id="16" creationId="{CA791308-90AF-66BE-F73E-52BEB60CB893}"/>
+          </ac:cxnSpMkLst>
+        </pc:cxnChg>
+        <pc:cxnChg chg="add mod">
+          <ac:chgData name="Yannick Spatz" userId="7b660818652cf050" providerId="LiveId" clId="{F5D817D4-B95E-4E17-82DC-0F3432201AD6}" dt="2024-11-28T09:00:26.310" v="1162" actId="14100"/>
+          <ac:cxnSpMkLst>
+            <pc:docMk/>
+            <pc:sldMk cId="2489777025" sldId="264"/>
+            <ac:cxnSpMk id="17" creationId="{E175DBAA-B651-5482-BB30-1E8819FB61A9}"/>
+          </ac:cxnSpMkLst>
+        </pc:cxnChg>
+        <pc:cxnChg chg="add mod">
+          <ac:chgData name="Yannick Spatz" userId="7b660818652cf050" providerId="LiveId" clId="{F5D817D4-B95E-4E17-82DC-0F3432201AD6}" dt="2024-11-28T09:00:26.310" v="1162" actId="14100"/>
+          <ac:cxnSpMkLst>
+            <pc:docMk/>
+            <pc:sldMk cId="2489777025" sldId="264"/>
+            <ac:cxnSpMk id="19" creationId="{7D2C68E0-0C28-3A99-6910-9763E0BB06F8}"/>
+          </ac:cxnSpMkLst>
+        </pc:cxnChg>
+        <pc:cxnChg chg="add mod">
+          <ac:chgData name="Yannick Spatz" userId="7b660818652cf050" providerId="LiveId" clId="{F5D817D4-B95E-4E17-82DC-0F3432201AD6}" dt="2024-11-28T09:00:29.502" v="1164" actId="1076"/>
+          <ac:cxnSpMkLst>
+            <pc:docMk/>
+            <pc:sldMk cId="2489777025" sldId="264"/>
+            <ac:cxnSpMk id="25" creationId="{26A90BDA-2F74-AD7E-F259-3873A0D77539}"/>
+          </ac:cxnSpMkLst>
+        </pc:cxnChg>
+        <pc:cxnChg chg="add mod">
+          <ac:chgData name="Yannick Spatz" userId="7b660818652cf050" providerId="LiveId" clId="{F5D817D4-B95E-4E17-82DC-0F3432201AD6}" dt="2024-11-28T09:00:41.516" v="1168" actId="14100"/>
+          <ac:cxnSpMkLst>
+            <pc:docMk/>
+            <pc:sldMk cId="2489777025" sldId="264"/>
+            <ac:cxnSpMk id="26" creationId="{8F7F0A26-2047-D0E4-7DC1-6D2E494D030D}"/>
+          </ac:cxnSpMkLst>
+        </pc:cxnChg>
+        <pc:cxnChg chg="add mod">
+          <ac:chgData name="Yannick Spatz" userId="7b660818652cf050" providerId="LiveId" clId="{F5D817D4-B95E-4E17-82DC-0F3432201AD6}" dt="2024-11-28T09:01:09.296" v="1180" actId="692"/>
+          <ac:cxnSpMkLst>
+            <pc:docMk/>
+            <pc:sldMk cId="2489777025" sldId="264"/>
+            <ac:cxnSpMk id="27" creationId="{1C8DC1AC-EAC1-0600-7AD1-81A1D29AC604}"/>
+          </ac:cxnSpMkLst>
+        </pc:cxnChg>
+        <pc:cxnChg chg="add mod">
+          <ac:chgData name="Yannick Spatz" userId="7b660818652cf050" providerId="LiveId" clId="{F5D817D4-B95E-4E17-82DC-0F3432201AD6}" dt="2024-11-28T09:01:09.296" v="1180" actId="692"/>
+          <ac:cxnSpMkLst>
+            <pc:docMk/>
+            <pc:sldMk cId="2489777025" sldId="264"/>
+            <ac:cxnSpMk id="30" creationId="{975645A7-C56F-11FB-3706-7D09ADFBF377}"/>
+          </ac:cxnSpMkLst>
+        </pc:cxnChg>
+        <pc:cxnChg chg="add mod">
+          <ac:chgData name="Yannick Spatz" userId="7b660818652cf050" providerId="LiveId" clId="{F5D817D4-B95E-4E17-82DC-0F3432201AD6}" dt="2024-11-28T09:01:09.296" v="1180" actId="692"/>
+          <ac:cxnSpMkLst>
+            <pc:docMk/>
+            <pc:sldMk cId="2489777025" sldId="264"/>
+            <ac:cxnSpMk id="33" creationId="{DFF55286-6122-1499-22D0-8A7EBF8A2F84}"/>
+          </ac:cxnSpMkLst>
+        </pc:cxnChg>
+      </pc:sldChg>
+      <pc:sldChg chg="addSp delSp modSp add mod delAnim">
+        <pc:chgData name="Yannick Spatz" userId="7b660818652cf050" providerId="LiveId" clId="{F5D817D4-B95E-4E17-82DC-0F3432201AD6}" dt="2024-11-28T11:38:37.185" v="2136" actId="20577"/>
+        <pc:sldMkLst>
+          <pc:docMk/>
+          <pc:sldMk cId="1338261334" sldId="265"/>
+        </pc:sldMkLst>
+        <pc:spChg chg="add mod">
+          <ac:chgData name="Yannick Spatz" userId="7b660818652cf050" providerId="LiveId" clId="{F5D817D4-B95E-4E17-82DC-0F3432201AD6}" dt="2024-11-28T11:38:37.185" v="2136" actId="20577"/>
+          <ac:spMkLst>
+            <pc:docMk/>
+            <pc:sldMk cId="1338261334" sldId="265"/>
+            <ac:spMk id="5" creationId="{BE69E9FB-1E01-E976-3384-FCBC7557093F}"/>
+          </ac:spMkLst>
+        </pc:spChg>
+      </pc:sldChg>
+      <pc:sldChg chg="addSp delSp modSp add mod">
+        <pc:chgData name="Yannick Spatz" userId="7b660818652cf050" providerId="LiveId" clId="{F5D817D4-B95E-4E17-82DC-0F3432201AD6}" dt="2024-11-28T10:04:10.444" v="1661" actId="20577"/>
+        <pc:sldMkLst>
+          <pc:docMk/>
+          <pc:sldMk cId="3434704395" sldId="266"/>
+        </pc:sldMkLst>
+        <pc:spChg chg="mod">
+          <ac:chgData name="Yannick Spatz" userId="7b660818652cf050" providerId="LiveId" clId="{F5D817D4-B95E-4E17-82DC-0F3432201AD6}" dt="2024-11-28T10:04:10.444" v="1661" actId="20577"/>
+          <ac:spMkLst>
+            <pc:docMk/>
+            <pc:sldMk cId="3434704395" sldId="266"/>
+            <ac:spMk id="4" creationId="{CB27D493-945F-67DD-5B7D-D366732E5A85}"/>
+          </ac:spMkLst>
+        </pc:spChg>
+        <pc:picChg chg="add mod">
+          <ac:chgData name="Yannick Spatz" userId="7b660818652cf050" providerId="LiveId" clId="{F5D817D4-B95E-4E17-82DC-0F3432201AD6}" dt="2024-11-28T10:03:48.306" v="1636" actId="1076"/>
+          <ac:picMkLst>
+            <pc:docMk/>
+            <pc:sldMk cId="3434704395" sldId="266"/>
+            <ac:picMk id="3" creationId="{ED92B59C-E22D-F8DC-FA60-449FE44B649F}"/>
+          </ac:picMkLst>
+        </pc:picChg>
+      </pc:sldChg>
+      <pc:sldChg chg="addSp delSp modSp add mod delAnim modAnim">
+        <pc:chgData name="Yannick Spatz" userId="7b660818652cf050" providerId="LiveId" clId="{F5D817D4-B95E-4E17-82DC-0F3432201AD6}" dt="2024-11-28T11:35:57.129" v="2086"/>
+        <pc:sldMkLst>
+          <pc:docMk/>
+          <pc:sldMk cId="3362420582" sldId="267"/>
+        </pc:sldMkLst>
+        <pc:spChg chg="add mod">
+          <ac:chgData name="Yannick Spatz" userId="7b660818652cf050" providerId="LiveId" clId="{F5D817D4-B95E-4E17-82DC-0F3432201AD6}" dt="2024-11-28T10:14:10.722" v="1847" actId="1076"/>
+          <ac:spMkLst>
+            <pc:docMk/>
+            <pc:sldMk cId="3362420582" sldId="267"/>
+            <ac:spMk id="2" creationId="{EFE5625A-9954-2617-C518-0893BE5AF471}"/>
+          </ac:spMkLst>
+        </pc:spChg>
+        <pc:spChg chg="mod">
+          <ac:chgData name="Yannick Spatz" userId="7b660818652cf050" providerId="LiveId" clId="{F5D817D4-B95E-4E17-82DC-0F3432201AD6}" dt="2024-11-28T10:04:24.002" v="1695" actId="20577"/>
+          <ac:spMkLst>
+            <pc:docMk/>
+            <pc:sldMk cId="3362420582" sldId="267"/>
+            <ac:spMk id="4" creationId="{E0F2E93D-2193-064F-3290-059E708191F1}"/>
+          </ac:spMkLst>
+        </pc:spChg>
+        <pc:spChg chg="add mod ord">
+          <ac:chgData name="Yannick Spatz" userId="7b660818652cf050" providerId="LiveId" clId="{F5D817D4-B95E-4E17-82DC-0F3432201AD6}" dt="2024-11-28T11:18:04.744" v="1936" actId="207"/>
+          <ac:spMkLst>
+            <pc:docMk/>
+            <pc:sldMk cId="3362420582" sldId="267"/>
+            <ac:spMk id="5" creationId="{A2ED1672-EEED-2F7D-CB5C-B6EAE40EB4DF}"/>
+          </ac:spMkLst>
+        </pc:spChg>
+        <pc:spChg chg="add mod">
+          <ac:chgData name="Yannick Spatz" userId="7b660818652cf050" providerId="LiveId" clId="{F5D817D4-B95E-4E17-82DC-0F3432201AD6}" dt="2024-11-28T10:11:34.220" v="1813" actId="14100"/>
+          <ac:spMkLst>
+            <pc:docMk/>
+            <pc:sldMk cId="3362420582" sldId="267"/>
+            <ac:spMk id="6" creationId="{75C09191-3D75-2C25-8162-F42A1128C947}"/>
+          </ac:spMkLst>
+        </pc:spChg>
+        <pc:spChg chg="add mod">
+          <ac:chgData name="Yannick Spatz" userId="7b660818652cf050" providerId="LiveId" clId="{F5D817D4-B95E-4E17-82DC-0F3432201AD6}" dt="2024-11-28T10:11:42.222" v="1819" actId="20577"/>
+          <ac:spMkLst>
+            <pc:docMk/>
+            <pc:sldMk cId="3362420582" sldId="267"/>
+            <ac:spMk id="14" creationId="{9521D600-8E6E-DB37-2AAB-B7521253BA0B}"/>
+          </ac:spMkLst>
+        </pc:spChg>
+        <pc:spChg chg="add mod">
+          <ac:chgData name="Yannick Spatz" userId="7b660818652cf050" providerId="LiveId" clId="{F5D817D4-B95E-4E17-82DC-0F3432201AD6}" dt="2024-11-28T10:13:01.754" v="1838" actId="1076"/>
+          <ac:spMkLst>
+            <pc:docMk/>
+            <pc:sldMk cId="3362420582" sldId="267"/>
+            <ac:spMk id="20" creationId="{6DB10518-FC1D-CFB7-8739-8FE8AAA246F1}"/>
+          </ac:spMkLst>
+        </pc:spChg>
+        <pc:spChg chg="add mod">
+          <ac:chgData name="Yannick Spatz" userId="7b660818652cf050" providerId="LiveId" clId="{F5D817D4-B95E-4E17-82DC-0F3432201AD6}" dt="2024-11-28T11:15:05.256" v="1858" actId="20577"/>
+          <ac:spMkLst>
+            <pc:docMk/>
+            <pc:sldMk cId="3362420582" sldId="267"/>
+            <ac:spMk id="23" creationId="{45A40ABE-7219-7EF4-0860-41F01411BA6A}"/>
+          </ac:spMkLst>
+        </pc:spChg>
+        <pc:spChg chg="add mod">
+          <ac:chgData name="Yannick Spatz" userId="7b660818652cf050" providerId="LiveId" clId="{F5D817D4-B95E-4E17-82DC-0F3432201AD6}" dt="2024-11-28T11:16:39.191" v="1914" actId="1076"/>
+          <ac:spMkLst>
+            <pc:docMk/>
+            <pc:sldMk cId="3362420582" sldId="267"/>
+            <ac:spMk id="35" creationId="{BC848BCF-21B9-E5B5-6E87-7066C9A6D132}"/>
+          </ac:spMkLst>
+        </pc:spChg>
+        <pc:spChg chg="add mod">
+          <ac:chgData name="Yannick Spatz" userId="7b660818652cf050" providerId="LiveId" clId="{F5D817D4-B95E-4E17-82DC-0F3432201AD6}" dt="2024-11-28T11:17:46.952" v="1923" actId="693"/>
+          <ac:spMkLst>
+            <pc:docMk/>
+            <pc:sldMk cId="3362420582" sldId="267"/>
+            <ac:spMk id="36" creationId="{E527D177-B2A7-43AC-3141-D68D95C15108}"/>
+          </ac:spMkLst>
+        </pc:spChg>
+        <pc:spChg chg="add mod">
+          <ac:chgData name="Yannick Spatz" userId="7b660818652cf050" providerId="LiveId" clId="{F5D817D4-B95E-4E17-82DC-0F3432201AD6}" dt="2024-11-28T11:18:26.283" v="1952" actId="207"/>
+          <ac:spMkLst>
+            <pc:docMk/>
+            <pc:sldMk cId="3362420582" sldId="267"/>
+            <ac:spMk id="37" creationId="{F6A33D66-74E2-B467-A32E-91427D04BCFF}"/>
+          </ac:spMkLst>
+        </pc:spChg>
+        <pc:spChg chg="add mod">
+          <ac:chgData name="Yannick Spatz" userId="7b660818652cf050" providerId="LiveId" clId="{F5D817D4-B95E-4E17-82DC-0F3432201AD6}" dt="2024-11-28T11:31:14.024" v="2019" actId="207"/>
+          <ac:spMkLst>
+            <pc:docMk/>
+            <pc:sldMk cId="3362420582" sldId="267"/>
+            <ac:spMk id="55" creationId="{A23260A2-8FA0-5097-8758-0210E5C6DA66}"/>
+          </ac:spMkLst>
+        </pc:spChg>
+        <pc:picChg chg="add mod">
+          <ac:chgData name="Yannick Spatz" userId="7b660818652cf050" providerId="LiveId" clId="{F5D817D4-B95E-4E17-82DC-0F3432201AD6}" dt="2024-11-28T11:26:55.991" v="1980" actId="1076"/>
+          <ac:picMkLst>
+            <pc:docMk/>
+            <pc:sldMk cId="3362420582" sldId="267"/>
+            <ac:picMk id="42" creationId="{6AF4FB56-E082-C00B-F444-5F07DFE67450}"/>
+          </ac:picMkLst>
+        </pc:picChg>
+        <pc:picChg chg="add mod">
+          <ac:chgData name="Yannick Spatz" userId="7b660818652cf050" providerId="LiveId" clId="{F5D817D4-B95E-4E17-82DC-0F3432201AD6}" dt="2024-11-28T11:34:14.473" v="2077" actId="1036"/>
+          <ac:picMkLst>
+            <pc:docMk/>
+            <pc:sldMk cId="3362420582" sldId="267"/>
+            <ac:picMk id="45" creationId="{33606EB9-1DE1-29D8-1BBB-952321458311}"/>
+          </ac:picMkLst>
+        </pc:picChg>
+        <pc:picChg chg="add mod">
+          <ac:chgData name="Yannick Spatz" userId="7b660818652cf050" providerId="LiveId" clId="{F5D817D4-B95E-4E17-82DC-0F3432201AD6}" dt="2024-11-28T11:34:14.473" v="2077" actId="1036"/>
+          <ac:picMkLst>
+            <pc:docMk/>
+            <pc:sldMk cId="3362420582" sldId="267"/>
+            <ac:picMk id="47" creationId="{8B628C20-96BE-3E69-EE3C-B7273E0FF778}"/>
+          </ac:picMkLst>
+        </pc:picChg>
+        <pc:picChg chg="add mod">
+          <ac:chgData name="Yannick Spatz" userId="7b660818652cf050" providerId="LiveId" clId="{F5D817D4-B95E-4E17-82DC-0F3432201AD6}" dt="2024-11-28T11:34:14.473" v="2077" actId="1036"/>
+          <ac:picMkLst>
+            <pc:docMk/>
+            <pc:sldMk cId="3362420582" sldId="267"/>
+            <ac:picMk id="48" creationId="{9B67CFAB-9BC0-CEF7-909A-DF7F37EA9460}"/>
+          </ac:picMkLst>
+        </pc:picChg>
+        <pc:picChg chg="add mod">
+          <ac:chgData name="Yannick Spatz" userId="7b660818652cf050" providerId="LiveId" clId="{F5D817D4-B95E-4E17-82DC-0F3432201AD6}" dt="2024-11-28T10:11:48.713" v="1822" actId="1076"/>
+          <ac:picMkLst>
+            <pc:docMk/>
+            <pc:sldMk cId="3362420582" sldId="267"/>
+            <ac:picMk id="1026" creationId="{B55C6CFD-90A4-D131-D944-FAB9FFE79851}"/>
+          </ac:picMkLst>
+        </pc:picChg>
+        <pc:picChg chg="add mod">
+          <ac:chgData name="Yannick Spatz" userId="7b660818652cf050" providerId="LiveId" clId="{F5D817D4-B95E-4E17-82DC-0F3432201AD6}" dt="2024-11-28T10:13:43.812" v="1845" actId="1076"/>
+          <ac:picMkLst>
+            <pc:docMk/>
+            <pc:sldMk cId="3362420582" sldId="267"/>
+            <ac:picMk id="1028" creationId="{CEBC38DA-EA6E-1DC6-DD1C-D5F0BAEC66DD}"/>
+          </ac:picMkLst>
+        </pc:picChg>
+        <pc:picChg chg="add del mod">
+          <ac:chgData name="Yannick Spatz" userId="7b660818652cf050" providerId="LiveId" clId="{F5D817D4-B95E-4E17-82DC-0F3432201AD6}" dt="2024-11-28T11:32:31.427" v="2042" actId="478"/>
+          <ac:picMkLst>
+            <pc:docMk/>
+            <pc:sldMk cId="3362420582" sldId="267"/>
+            <ac:picMk id="1032" creationId="{51706E55-E790-D505-CD38-3200480FA051}"/>
+          </ac:picMkLst>
+        </pc:picChg>
+        <pc:cxnChg chg="add mod">
+          <ac:chgData name="Yannick Spatz" userId="7b660818652cf050" providerId="LiveId" clId="{F5D817D4-B95E-4E17-82DC-0F3432201AD6}" dt="2024-11-28T11:16:14.826" v="1874" actId="14100"/>
+          <ac:cxnSpMkLst>
+            <pc:docMk/>
+            <pc:sldMk cId="3362420582" sldId="267"/>
+            <ac:cxnSpMk id="8" creationId="{73017F42-E8B8-3B28-9079-80C3DB7B2722}"/>
+          </ac:cxnSpMkLst>
+        </pc:cxnChg>
+        <pc:cxnChg chg="add mod">
+          <ac:chgData name="Yannick Spatz" userId="7b660818652cf050" providerId="LiveId" clId="{F5D817D4-B95E-4E17-82DC-0F3432201AD6}" dt="2024-11-28T10:11:55.834" v="1826" actId="14100"/>
+          <ac:cxnSpMkLst>
+            <pc:docMk/>
+            <pc:sldMk cId="3362420582" sldId="267"/>
+            <ac:cxnSpMk id="17" creationId="{672EA251-9611-1ACB-58CF-CD8D00B77ECC}"/>
+          </ac:cxnSpMkLst>
+        </pc:cxnChg>
+        <pc:cxnChg chg="add mod">
+          <ac:chgData name="Yannick Spatz" userId="7b660818652cf050" providerId="LiveId" clId="{F5D817D4-B95E-4E17-82DC-0F3432201AD6}" dt="2024-11-28T11:15:14.482" v="1862" actId="14100"/>
+          <ac:cxnSpMkLst>
+            <pc:docMk/>
+            <pc:sldMk cId="3362420582" sldId="267"/>
+            <ac:cxnSpMk id="24" creationId="{9DB522B1-7DCA-C9D3-4D33-F4B703B12F55}"/>
+          </ac:cxnSpMkLst>
+        </pc:cxnChg>
+        <pc:cxnChg chg="add mod">
+          <ac:chgData name="Yannick Spatz" userId="7b660818652cf050" providerId="LiveId" clId="{F5D817D4-B95E-4E17-82DC-0F3432201AD6}" dt="2024-11-28T11:16:13.192" v="1873" actId="14100"/>
+          <ac:cxnSpMkLst>
+            <pc:docMk/>
+            <pc:sldMk cId="3362420582" sldId="267"/>
+            <ac:cxnSpMk id="31" creationId="{205754FD-F810-5F70-93EE-D64C3CF36EF2}"/>
+          </ac:cxnSpMkLst>
+        </pc:cxnChg>
+        <pc:cxnChg chg="add mod">
+          <ac:chgData name="Yannick Spatz" userId="7b660818652cf050" providerId="LiveId" clId="{F5D817D4-B95E-4E17-82DC-0F3432201AD6}" dt="2024-11-28T11:19:25.545" v="1957" actId="13822"/>
+          <ac:cxnSpMkLst>
+            <pc:docMk/>
+            <pc:sldMk cId="3362420582" sldId="267"/>
+            <ac:cxnSpMk id="39" creationId="{7DA77074-55B6-3E7C-CDDE-6E140B61BC8D}"/>
+          </ac:cxnSpMkLst>
+        </pc:cxnChg>
+        <pc:cxnChg chg="add mod">
+          <ac:chgData name="Yannick Spatz" userId="7b660818652cf050" providerId="LiveId" clId="{F5D817D4-B95E-4E17-82DC-0F3432201AD6}" dt="2024-11-28T11:34:45.311" v="2084" actId="693"/>
+          <ac:cxnSpMkLst>
+            <pc:docMk/>
+            <pc:sldMk cId="3362420582" sldId="267"/>
+            <ac:cxnSpMk id="62" creationId="{695C7CA3-1C04-6FD8-CE89-2681806BFB48}"/>
+          </ac:cxnSpMkLst>
+        </pc:cxnChg>
+        <pc:cxnChg chg="add mod">
+          <ac:chgData name="Yannick Spatz" userId="7b660818652cf050" providerId="LiveId" clId="{F5D817D4-B95E-4E17-82DC-0F3432201AD6}" dt="2024-11-28T11:34:45.311" v="2084" actId="693"/>
+          <ac:cxnSpMkLst>
+            <pc:docMk/>
+            <pc:sldMk cId="3362420582" sldId="267"/>
+            <ac:cxnSpMk id="1024" creationId="{C01DB75E-700B-92B7-9267-41AC37324CC1}"/>
+          </ac:cxnSpMkLst>
+        </pc:cxnChg>
+        <pc:cxnChg chg="add mod">
+          <ac:chgData name="Yannick Spatz" userId="7b660818652cf050" providerId="LiveId" clId="{F5D817D4-B95E-4E17-82DC-0F3432201AD6}" dt="2024-11-28T11:34:45.311" v="2084" actId="693"/>
+          <ac:cxnSpMkLst>
+            <pc:docMk/>
+            <pc:sldMk cId="3362420582" sldId="267"/>
+            <ac:cxnSpMk id="1029" creationId="{DAA96A96-A5AB-4242-2A05-BB5301799AC3}"/>
+          </ac:cxnSpMkLst>
+        </pc:cxnChg>
+        <pc:cxnChg chg="add mod">
+          <ac:chgData name="Yannick Spatz" userId="7b660818652cf050" providerId="LiveId" clId="{F5D817D4-B95E-4E17-82DC-0F3432201AD6}" dt="2024-11-28T11:34:45.311" v="2084" actId="693"/>
+          <ac:cxnSpMkLst>
+            <pc:docMk/>
+            <pc:sldMk cId="3362420582" sldId="267"/>
+            <ac:cxnSpMk id="1034" creationId="{BA81B776-CEF4-5B92-B4D3-8ABD443AA281}"/>
+          </ac:cxnSpMkLst>
+        </pc:cxnChg>
+        <pc:cxnChg chg="add mod">
+          <ac:chgData name="Yannick Spatz" userId="7b660818652cf050" providerId="LiveId" clId="{F5D817D4-B95E-4E17-82DC-0F3432201AD6}" dt="2024-11-28T11:34:45.311" v="2084" actId="693"/>
+          <ac:cxnSpMkLst>
+            <pc:docMk/>
+            <pc:sldMk cId="3362420582" sldId="267"/>
+            <ac:cxnSpMk id="1037" creationId="{D91766A6-5324-C336-750E-CAE4974D0254}"/>
+          </ac:cxnSpMkLst>
+        </pc:cxnChg>
+      </pc:sldChg>
+      <pc:sldChg chg="addSp delSp modSp add mod modAnim">
+        <pc:chgData name="Yannick Spatz" userId="7b660818652cf050" providerId="LiveId" clId="{F5D817D4-B95E-4E17-82DC-0F3432201AD6}" dt="2024-11-28T12:31:18.685" v="2201" actId="20577"/>
+        <pc:sldMkLst>
+          <pc:docMk/>
+          <pc:sldMk cId="1870424570" sldId="268"/>
+        </pc:sldMkLst>
+        <pc:spChg chg="mod">
+          <ac:chgData name="Yannick Spatz" userId="7b660818652cf050" providerId="LiveId" clId="{F5D817D4-B95E-4E17-82DC-0F3432201AD6}" dt="2024-11-28T12:31:18.685" v="2201" actId="20577"/>
+          <ac:spMkLst>
+            <pc:docMk/>
+            <pc:sldMk cId="1870424570" sldId="268"/>
+            <ac:spMk id="4" creationId="{03783303-D862-7F9A-5C89-3C79AA6BD0CB}"/>
+          </ac:spMkLst>
+        </pc:spChg>
+        <pc:picChg chg="add mod">
+          <ac:chgData name="Yannick Spatz" userId="7b660818652cf050" providerId="LiveId" clId="{F5D817D4-B95E-4E17-82DC-0F3432201AD6}" dt="2024-11-28T12:30:17.940" v="2159" actId="1076"/>
+          <ac:picMkLst>
+            <pc:docMk/>
+            <pc:sldMk cId="1870424570" sldId="268"/>
+            <ac:picMk id="7" creationId="{8CB84EDB-F6AC-89B3-EC40-1B4079DC2094}"/>
+          </ac:picMkLst>
+        </pc:picChg>
+        <pc:picChg chg="add mod">
+          <ac:chgData name="Yannick Spatz" userId="7b660818652cf050" providerId="LiveId" clId="{F5D817D4-B95E-4E17-82DC-0F3432201AD6}" dt="2024-11-28T12:31:01.084" v="2176" actId="1076"/>
+          <ac:picMkLst>
+            <pc:docMk/>
+            <pc:sldMk cId="1870424570" sldId="268"/>
+            <ac:picMk id="10" creationId="{15AC0BEB-C7EB-4C4D-C400-15A33901165E}"/>
+          </ac:picMkLst>
+        </pc:picChg>
+        <pc:picChg chg="add mod">
+          <ac:chgData name="Yannick Spatz" userId="7b660818652cf050" providerId="LiveId" clId="{F5D817D4-B95E-4E17-82DC-0F3432201AD6}" dt="2024-11-28T12:30:40.676" v="2172" actId="1076"/>
+          <ac:picMkLst>
+            <pc:docMk/>
+            <pc:sldMk cId="1870424570" sldId="268"/>
+            <ac:picMk id="15" creationId="{6EE7629F-A024-BFFB-78DB-0743A691CF07}"/>
+          </ac:picMkLst>
+        </pc:picChg>
+      </pc:sldChg>
+      <pc:sldChg chg="del">
+        <pc:chgData name="Yannick Spatz" userId="7b660818652cf050" providerId="LiveId" clId="{F5D817D4-B95E-4E17-82DC-0F3432201AD6}" dt="2024-11-28T07:55:50.878" v="11" actId="47"/>
+        <pc:sldMkLst>
+          <pc:docMk/>
+          <pc:sldMk cId="3070881165" sldId="276"/>
+        </pc:sldMkLst>
+      </pc:sldChg>
+      <pc:sldChg chg="del">
+        <pc:chgData name="Yannick Spatz" userId="7b660818652cf050" providerId="LiveId" clId="{F5D817D4-B95E-4E17-82DC-0F3432201AD6}" dt="2024-11-28T07:55:50.878" v="11" actId="47"/>
+        <pc:sldMkLst>
+          <pc:docMk/>
+          <pc:sldMk cId="2398730917" sldId="277"/>
+        </pc:sldMkLst>
+      </pc:sldChg>
+    </pc:docChg>
+  </pc:docChgLst>
   <pc:docChgLst>
     <pc:chgData name="Yannick Spatz" userId="7b660818652cf050" providerId="LiveId" clId="{2CD548BD-F52B-45D3-8118-9851E05E77BA}"/>
     <pc:docChg chg="undo custSel delSld modSld">
@@ -206,62 +1000,6 @@
           <pc:docMk/>
           <pc:sldMk cId="0" sldId="262"/>
         </pc:sldMkLst>
-        <pc:spChg chg="add mod">
-          <ac:chgData name="Yannick Spatz" userId="7b660818652cf050" providerId="LiveId" clId="{2CD548BD-F52B-45D3-8118-9851E05E77BA}" dt="2024-10-24T06:44:17.034" v="485" actId="20577"/>
-          <ac:spMkLst>
-            <pc:docMk/>
-            <pc:sldMk cId="0" sldId="262"/>
-            <ac:spMk id="2" creationId="{7528D8EF-0FA5-0374-2EB4-79B5B73680A5}"/>
-          </ac:spMkLst>
-        </pc:spChg>
-        <pc:spChg chg="mod">
-          <ac:chgData name="Yannick Spatz" userId="7b660818652cf050" providerId="LiveId" clId="{2CD548BD-F52B-45D3-8118-9851E05E77BA}" dt="2024-10-24T06:42:44.303" v="471" actId="20577"/>
-          <ac:spMkLst>
-            <pc:docMk/>
-            <pc:sldMk cId="0" sldId="262"/>
-            <ac:spMk id="7" creationId="{E5F315BF-9357-4FBA-AD06-9C05EAD900BF}"/>
-          </ac:spMkLst>
-        </pc:spChg>
-        <pc:spChg chg="del">
-          <ac:chgData name="Yannick Spatz" userId="7b660818652cf050" providerId="LiveId" clId="{2CD548BD-F52B-45D3-8118-9851E05E77BA}" dt="2024-10-24T06:32:43.728" v="78" actId="478"/>
-          <ac:spMkLst>
-            <pc:docMk/>
-            <pc:sldMk cId="0" sldId="262"/>
-            <ac:spMk id="8" creationId="{3CA7FE8A-F500-40ED-A0FF-724B21076F55}"/>
-          </ac:spMkLst>
-        </pc:spChg>
-        <pc:spChg chg="del">
-          <ac:chgData name="Yannick Spatz" userId="7b660818652cf050" providerId="LiveId" clId="{2CD548BD-F52B-45D3-8118-9851E05E77BA}" dt="2024-10-24T06:32:46.845" v="80" actId="478"/>
-          <ac:spMkLst>
-            <pc:docMk/>
-            <pc:sldMk cId="0" sldId="262"/>
-            <ac:spMk id="9" creationId="{F30B64BF-C841-46CF-A952-DC94178934D1}"/>
-          </ac:spMkLst>
-        </pc:spChg>
-        <pc:spChg chg="del">
-          <ac:chgData name="Yannick Spatz" userId="7b660818652cf050" providerId="LiveId" clId="{2CD548BD-F52B-45D3-8118-9851E05E77BA}" dt="2024-10-24T06:32:41.760" v="77" actId="478"/>
-          <ac:spMkLst>
-            <pc:docMk/>
-            <pc:sldMk cId="0" sldId="262"/>
-            <ac:spMk id="10" creationId="{752B4072-68FA-43E7-AC65-7659FECEAEAC}"/>
-          </ac:spMkLst>
-        </pc:spChg>
-        <pc:spChg chg="del">
-          <ac:chgData name="Yannick Spatz" userId="7b660818652cf050" providerId="LiveId" clId="{2CD548BD-F52B-45D3-8118-9851E05E77BA}" dt="2024-10-24T06:32:45.518" v="79" actId="478"/>
-          <ac:spMkLst>
-            <pc:docMk/>
-            <pc:sldMk cId="0" sldId="262"/>
-            <ac:spMk id="11" creationId="{4DD3A86F-36AF-40BA-B76D-A77E8EF4B7EE}"/>
-          </ac:spMkLst>
-        </pc:spChg>
-        <pc:picChg chg="add mod">
-          <ac:chgData name="Yannick Spatz" userId="7b660818652cf050" providerId="LiveId" clId="{2CD548BD-F52B-45D3-8118-9851E05E77BA}" dt="2024-10-24T06:44:20.662" v="486" actId="14100"/>
-          <ac:picMkLst>
-            <pc:docMk/>
-            <pc:sldMk cId="0" sldId="262"/>
-            <ac:picMk id="4" creationId="{A6CF595F-216D-CE7A-C2ED-8ED3B3AE20BD}"/>
-          </ac:picMkLst>
-        </pc:picChg>
       </pc:sldChg>
       <pc:sldChg chg="del">
         <pc:chgData name="Yannick Spatz" userId="7b660818652cf050" providerId="LiveId" clId="{2CD548BD-F52B-45D3-8118-9851E05E77BA}" dt="2024-10-24T06:31:21.121" v="8" actId="47"/>
@@ -343,1652 +1081,26 @@
     </pc:docChg>
   </pc:docChgLst>
   <pc:docChgLst>
-    <pc:chgData name="Yannick Spatz" userId="7b660818652cf050" providerId="LiveId" clId="{F5D817D4-B95E-4E17-82DC-0F3432201AD6}"/>
-    <pc:docChg chg="undo custSel addSld delSld modSld">
-      <pc:chgData name="Yannick Spatz" userId="7b660818652cf050" providerId="LiveId" clId="{F5D817D4-B95E-4E17-82DC-0F3432201AD6}" dt="2024-11-28T12:31:18.685" v="2201" actId="20577"/>
+    <pc:chgData name="Yannick Spatz" userId="7b660818652cf050" providerId="LiveId" clId="{3947B432-B932-4219-9D0C-F5F7411DC775}"/>
+    <pc:docChg chg="modSld">
+      <pc:chgData name="Yannick Spatz" userId="7b660818652cf050" providerId="LiveId" clId="{3947B432-B932-4219-9D0C-F5F7411DC775}" dt="2025-01-15T09:45:34.043" v="0" actId="1076"/>
       <pc:docMkLst>
         <pc:docMk/>
       </pc:docMkLst>
-      <pc:sldChg chg="modSp mod">
-        <pc:chgData name="Yannick Spatz" userId="7b660818652cf050" providerId="LiveId" clId="{F5D817D4-B95E-4E17-82DC-0F3432201AD6}" dt="2024-11-28T07:55:38.977" v="10" actId="20577"/>
-        <pc:sldMkLst>
-          <pc:docMk/>
-          <pc:sldMk cId="0" sldId="256"/>
-        </pc:sldMkLst>
-        <pc:spChg chg="mod">
-          <ac:chgData name="Yannick Spatz" userId="7b660818652cf050" providerId="LiveId" clId="{F5D817D4-B95E-4E17-82DC-0F3432201AD6}" dt="2024-11-28T07:55:38.977" v="10" actId="20577"/>
-          <ac:spMkLst>
-            <pc:docMk/>
-            <pc:sldMk cId="0" sldId="256"/>
-            <ac:spMk id="16" creationId="{C6C8A689-2479-4E8F-8348-213A550E89FB}"/>
-          </ac:spMkLst>
-        </pc:spChg>
-      </pc:sldChg>
-      <pc:sldChg chg="addSp delSp modSp mod delAnim modAnim modNotesTx">
-        <pc:chgData name="Yannick Spatz" userId="7b660818652cf050" providerId="LiveId" clId="{F5D817D4-B95E-4E17-82DC-0F3432201AD6}" dt="2024-11-28T08:37:21.266" v="775"/>
-        <pc:sldMkLst>
-          <pc:docMk/>
-          <pc:sldMk cId="0" sldId="260"/>
-        </pc:sldMkLst>
-        <pc:spChg chg="add mod">
-          <ac:chgData name="Yannick Spatz" userId="7b660818652cf050" providerId="LiveId" clId="{F5D817D4-B95E-4E17-82DC-0F3432201AD6}" dt="2024-11-28T08:31:27.495" v="721" actId="1076"/>
-          <ac:spMkLst>
-            <pc:docMk/>
-            <pc:sldMk cId="0" sldId="260"/>
-            <ac:spMk id="3" creationId="{5D05D5D2-531F-8B45-EC7E-58D61DAD5369}"/>
-          </ac:spMkLst>
-        </pc:spChg>
-        <pc:spChg chg="mod">
-          <ac:chgData name="Yannick Spatz" userId="7b660818652cf050" providerId="LiveId" clId="{F5D817D4-B95E-4E17-82DC-0F3432201AD6}" dt="2024-11-28T08:36:19.782" v="763" actId="20577"/>
-          <ac:spMkLst>
-            <pc:docMk/>
-            <pc:sldMk cId="0" sldId="260"/>
-            <ac:spMk id="4" creationId="{53D00134-78A0-4B8B-BC91-BBE40571A63D}"/>
-          </ac:spMkLst>
-        </pc:spChg>
-        <pc:spChg chg="add mod">
-          <ac:chgData name="Yannick Spatz" userId="7b660818652cf050" providerId="LiveId" clId="{F5D817D4-B95E-4E17-82DC-0F3432201AD6}" dt="2024-11-28T08:31:17.232" v="719" actId="1076"/>
-          <ac:spMkLst>
-            <pc:docMk/>
-            <pc:sldMk cId="0" sldId="260"/>
-            <ac:spMk id="5" creationId="{3559777F-4653-847C-2067-246DA7B3AEB3}"/>
-          </ac:spMkLst>
-        </pc:spChg>
-        <pc:spChg chg="add mod">
-          <ac:chgData name="Yannick Spatz" userId="7b660818652cf050" providerId="LiveId" clId="{F5D817D4-B95E-4E17-82DC-0F3432201AD6}" dt="2024-11-28T08:31:31.167" v="722" actId="1076"/>
-          <ac:spMkLst>
-            <pc:docMk/>
-            <pc:sldMk cId="0" sldId="260"/>
-            <ac:spMk id="6" creationId="{8753F058-3E59-610B-E223-76C0839939B4}"/>
-          </ac:spMkLst>
-        </pc:spChg>
-        <pc:spChg chg="del">
-          <ac:chgData name="Yannick Spatz" userId="7b660818652cf050" providerId="LiveId" clId="{F5D817D4-B95E-4E17-82DC-0F3432201AD6}" dt="2024-11-28T08:01:12.378" v="19" actId="478"/>
-          <ac:spMkLst>
-            <pc:docMk/>
-            <pc:sldMk cId="0" sldId="260"/>
-            <ac:spMk id="13" creationId="{CB5DD050-7E81-22BD-F35C-DECE909C12CC}"/>
-          </ac:spMkLst>
-        </pc:spChg>
-        <pc:graphicFrameChg chg="add del mod">
-          <ac:chgData name="Yannick Spatz" userId="7b660818652cf050" providerId="LiveId" clId="{F5D817D4-B95E-4E17-82DC-0F3432201AD6}" dt="2024-11-28T08:01:25.005" v="21" actId="478"/>
-          <ac:graphicFrameMkLst>
-            <pc:docMk/>
-            <pc:sldMk cId="0" sldId="260"/>
-            <ac:graphicFrameMk id="2" creationId="{75A568FB-492F-AD37-5DD9-295BA4BE39A4}"/>
-          </ac:graphicFrameMkLst>
-        </pc:graphicFrameChg>
-        <pc:picChg chg="del">
-          <ac:chgData name="Yannick Spatz" userId="7b660818652cf050" providerId="LiveId" clId="{F5D817D4-B95E-4E17-82DC-0F3432201AD6}" dt="2024-11-28T08:01:06.675" v="12" actId="478"/>
-          <ac:picMkLst>
-            <pc:docMk/>
-            <pc:sldMk cId="0" sldId="260"/>
-            <ac:picMk id="7" creationId="{4ED4D35D-7765-B0ED-D2A6-DCE343B1E400}"/>
-          </ac:picMkLst>
-        </pc:picChg>
-        <pc:picChg chg="del">
-          <ac:chgData name="Yannick Spatz" userId="7b660818652cf050" providerId="LiveId" clId="{F5D817D4-B95E-4E17-82DC-0F3432201AD6}" dt="2024-11-28T08:01:10.818" v="17" actId="478"/>
-          <ac:picMkLst>
-            <pc:docMk/>
-            <pc:sldMk cId="0" sldId="260"/>
-            <ac:picMk id="9" creationId="{2F9690F7-FA2B-1246-2932-39914F5CC3E1}"/>
-          </ac:picMkLst>
-        </pc:picChg>
-        <pc:picChg chg="del">
-          <ac:chgData name="Yannick Spatz" userId="7b660818652cf050" providerId="LiveId" clId="{F5D817D4-B95E-4E17-82DC-0F3432201AD6}" dt="2024-11-28T08:01:11.458" v="18" actId="478"/>
-          <ac:picMkLst>
-            <pc:docMk/>
-            <pc:sldMk cId="0" sldId="260"/>
-            <ac:picMk id="10" creationId="{AACA9D69-10E1-005C-EBA8-F5B709BF3946}"/>
-          </ac:picMkLst>
-        </pc:picChg>
-        <pc:picChg chg="del">
-          <ac:chgData name="Yannick Spatz" userId="7b660818652cf050" providerId="LiveId" clId="{F5D817D4-B95E-4E17-82DC-0F3432201AD6}" dt="2024-11-28T08:01:10.058" v="16" actId="478"/>
-          <ac:picMkLst>
-            <pc:docMk/>
-            <pc:sldMk cId="0" sldId="260"/>
-            <ac:picMk id="11" creationId="{53608658-3AF3-C1FD-4F8F-AA22EFA887A0}"/>
-          </ac:picMkLst>
-        </pc:picChg>
-        <pc:picChg chg="del">
-          <ac:chgData name="Yannick Spatz" userId="7b660818652cf050" providerId="LiveId" clId="{F5D817D4-B95E-4E17-82DC-0F3432201AD6}" dt="2024-11-28T08:01:09.472" v="15" actId="478"/>
-          <ac:picMkLst>
-            <pc:docMk/>
-            <pc:sldMk cId="0" sldId="260"/>
-            <ac:picMk id="14" creationId="{AC18012C-C398-8888-E403-8102FE338A99}"/>
-          </ac:picMkLst>
-        </pc:picChg>
-        <pc:picChg chg="del">
-          <ac:chgData name="Yannick Spatz" userId="7b660818652cf050" providerId="LiveId" clId="{F5D817D4-B95E-4E17-82DC-0F3432201AD6}" dt="2024-11-28T08:01:08.029" v="13" actId="478"/>
-          <ac:picMkLst>
-            <pc:docMk/>
-            <pc:sldMk cId="0" sldId="260"/>
-            <ac:picMk id="16" creationId="{5FB7C2D0-5C36-D89C-0795-98A0131C5D86}"/>
-          </ac:picMkLst>
-        </pc:picChg>
-        <pc:picChg chg="del">
-          <ac:chgData name="Yannick Spatz" userId="7b660818652cf050" providerId="LiveId" clId="{F5D817D4-B95E-4E17-82DC-0F3432201AD6}" dt="2024-11-28T08:01:08.707" v="14" actId="478"/>
-          <ac:picMkLst>
-            <pc:docMk/>
-            <pc:sldMk cId="0" sldId="260"/>
-            <ac:picMk id="17" creationId="{DADD6DA0-059E-1C2F-2C1A-67E520CB82F6}"/>
-          </ac:picMkLst>
-        </pc:picChg>
-        <pc:picChg chg="add mod">
-          <ac:chgData name="Yannick Spatz" userId="7b660818652cf050" providerId="LiveId" clId="{F5D817D4-B95E-4E17-82DC-0F3432201AD6}" dt="2024-11-28T08:30:03.528" v="701" actId="1076"/>
-          <ac:picMkLst>
-            <pc:docMk/>
-            <pc:sldMk cId="0" sldId="260"/>
-            <ac:picMk id="20" creationId="{957A3120-8308-027D-8032-ADEFCE1C82B4}"/>
-          </ac:picMkLst>
-        </pc:picChg>
-        <pc:picChg chg="add mod">
-          <ac:chgData name="Yannick Spatz" userId="7b660818652cf050" providerId="LiveId" clId="{F5D817D4-B95E-4E17-82DC-0F3432201AD6}" dt="2024-11-28T08:33:41.999" v="738" actId="1076"/>
-          <ac:picMkLst>
-            <pc:docMk/>
-            <pc:sldMk cId="0" sldId="260"/>
-            <ac:picMk id="34" creationId="{EABFC8DB-41DE-CF60-405C-55E80B97AF18}"/>
-          </ac:picMkLst>
-        </pc:picChg>
-        <pc:picChg chg="add mod">
-          <ac:chgData name="Yannick Spatz" userId="7b660818652cf050" providerId="LiveId" clId="{F5D817D4-B95E-4E17-82DC-0F3432201AD6}" dt="2024-11-28T08:33:39.153" v="737" actId="1076"/>
-          <ac:picMkLst>
-            <pc:docMk/>
-            <pc:sldMk cId="0" sldId="260"/>
-            <ac:picMk id="36" creationId="{19C18483-64A5-3961-DFF1-77F61ADA00CA}"/>
-          </ac:picMkLst>
-        </pc:picChg>
-        <pc:picChg chg="add del mod">
-          <ac:chgData name="Yannick Spatz" userId="7b660818652cf050" providerId="LiveId" clId="{F5D817D4-B95E-4E17-82DC-0F3432201AD6}" dt="2024-11-28T08:35:02.008" v="744" actId="478"/>
-          <ac:picMkLst>
-            <pc:docMk/>
-            <pc:sldMk cId="0" sldId="260"/>
-            <ac:picMk id="38" creationId="{7A9B1E9E-9349-CB9B-EA2D-963559A1ACAD}"/>
-          </ac:picMkLst>
-        </pc:picChg>
-        <pc:picChg chg="add mod">
-          <ac:chgData name="Yannick Spatz" userId="7b660818652cf050" providerId="LiveId" clId="{F5D817D4-B95E-4E17-82DC-0F3432201AD6}" dt="2024-11-28T08:36:02.599" v="753" actId="1076"/>
-          <ac:picMkLst>
-            <pc:docMk/>
-            <pc:sldMk cId="0" sldId="260"/>
-            <ac:picMk id="40" creationId="{F2A978D9-3B29-9DDD-0E1E-20AB2E992409}"/>
-          </ac:picMkLst>
-        </pc:picChg>
-        <pc:cxnChg chg="add del mod">
-          <ac:chgData name="Yannick Spatz" userId="7b660818652cf050" providerId="LiveId" clId="{F5D817D4-B95E-4E17-82DC-0F3432201AD6}" dt="2024-11-28T08:29:51.200" v="696" actId="478"/>
-          <ac:cxnSpMkLst>
-            <pc:docMk/>
-            <pc:sldMk cId="0" sldId="260"/>
-            <ac:cxnSpMk id="12" creationId="{B113F418-0E80-A150-582C-AA9B1D30773F}"/>
-          </ac:cxnSpMkLst>
-        </pc:cxnChg>
-        <pc:cxnChg chg="add del mod">
-          <ac:chgData name="Yannick Spatz" userId="7b660818652cf050" providerId="LiveId" clId="{F5D817D4-B95E-4E17-82DC-0F3432201AD6}" dt="2024-11-28T08:29:58.751" v="699" actId="478"/>
-          <ac:cxnSpMkLst>
-            <pc:docMk/>
-            <pc:sldMk cId="0" sldId="260"/>
-            <ac:cxnSpMk id="18" creationId="{A6D6A4FB-30EC-C525-38BC-B4CDA43E03DA}"/>
-          </ac:cxnSpMkLst>
-        </pc:cxnChg>
-        <pc:cxnChg chg="add mod">
-          <ac:chgData name="Yannick Spatz" userId="7b660818652cf050" providerId="LiveId" clId="{F5D817D4-B95E-4E17-82DC-0F3432201AD6}" dt="2024-11-28T08:36:51.822" v="768" actId="14100"/>
-          <ac:cxnSpMkLst>
-            <pc:docMk/>
-            <pc:sldMk cId="0" sldId="260"/>
-            <ac:cxnSpMk id="22" creationId="{BEDBF836-DC75-4833-59E2-739ED9445343}"/>
-          </ac:cxnSpMkLst>
-        </pc:cxnChg>
-        <pc:cxnChg chg="add mod">
-          <ac:chgData name="Yannick Spatz" userId="7b660818652cf050" providerId="LiveId" clId="{F5D817D4-B95E-4E17-82DC-0F3432201AD6}" dt="2024-11-28T08:31:40.367" v="727" actId="1076"/>
-          <ac:cxnSpMkLst>
-            <pc:docMk/>
-            <pc:sldMk cId="0" sldId="260"/>
-            <ac:cxnSpMk id="24" creationId="{63926D85-B95E-DEC0-14C7-C0C7B4BDF09A}"/>
-          </ac:cxnSpMkLst>
-        </pc:cxnChg>
-        <pc:cxnChg chg="add mod">
-          <ac:chgData name="Yannick Spatz" userId="7b660818652cf050" providerId="LiveId" clId="{F5D817D4-B95E-4E17-82DC-0F3432201AD6}" dt="2024-11-28T08:31:33.607" v="723" actId="1076"/>
-          <ac:cxnSpMkLst>
-            <pc:docMk/>
-            <pc:sldMk cId="0" sldId="260"/>
-            <ac:cxnSpMk id="26" creationId="{11731D89-BF15-7D4E-EE5F-2FB012C9424C}"/>
-          </ac:cxnSpMkLst>
-        </pc:cxnChg>
-        <pc:cxnChg chg="add mod">
-          <ac:chgData name="Yannick Spatz" userId="7b660818652cf050" providerId="LiveId" clId="{F5D817D4-B95E-4E17-82DC-0F3432201AD6}" dt="2024-11-28T08:36:42.799" v="764" actId="14100"/>
-          <ac:cxnSpMkLst>
-            <pc:docMk/>
-            <pc:sldMk cId="0" sldId="260"/>
-            <ac:cxnSpMk id="27" creationId="{6F76D51F-7AF2-AA4D-8ED1-0C85AE584EAD}"/>
-          </ac:cxnSpMkLst>
-        </pc:cxnChg>
-        <pc:cxnChg chg="add mod">
-          <ac:chgData name="Yannick Spatz" userId="7b660818652cf050" providerId="LiveId" clId="{F5D817D4-B95E-4E17-82DC-0F3432201AD6}" dt="2024-11-28T08:36:48.816" v="767" actId="14100"/>
-          <ac:cxnSpMkLst>
-            <pc:docMk/>
-            <pc:sldMk cId="0" sldId="260"/>
-            <ac:cxnSpMk id="42" creationId="{ED7AF484-4806-DF99-6C88-C9B311DD9C28}"/>
-          </ac:cxnSpMkLst>
-        </pc:cxnChg>
-        <pc:cxnChg chg="add mod">
-          <ac:chgData name="Yannick Spatz" userId="7b660818652cf050" providerId="LiveId" clId="{F5D817D4-B95E-4E17-82DC-0F3432201AD6}" dt="2024-11-28T08:36:58.504" v="772" actId="1036"/>
-          <ac:cxnSpMkLst>
-            <pc:docMk/>
-            <pc:sldMk cId="0" sldId="260"/>
-            <ac:cxnSpMk id="46" creationId="{9C339F00-137D-A1E8-1D5F-54536E4760C6}"/>
-          </ac:cxnSpMkLst>
-        </pc:cxnChg>
-      </pc:sldChg>
-      <pc:sldChg chg="del">
-        <pc:chgData name="Yannick Spatz" userId="7b660818652cf050" providerId="LiveId" clId="{F5D817D4-B95E-4E17-82DC-0F3432201AD6}" dt="2024-11-28T07:55:50.878" v="11" actId="47"/>
-        <pc:sldMkLst>
-          <pc:docMk/>
-          <pc:sldMk cId="0" sldId="261"/>
-        </pc:sldMkLst>
-      </pc:sldChg>
-      <pc:sldChg chg="addSp delSp modSp add mod modAnim">
-        <pc:chgData name="Yannick Spatz" userId="7b660818652cf050" providerId="LiveId" clId="{F5D817D4-B95E-4E17-82DC-0F3432201AD6}" dt="2024-11-28T11:37:20.126" v="2093" actId="20577"/>
-        <pc:sldMkLst>
-          <pc:docMk/>
-          <pc:sldMk cId="2950067086" sldId="261"/>
-        </pc:sldMkLst>
-        <pc:spChg chg="mod">
-          <ac:chgData name="Yannick Spatz" userId="7b660818652cf050" providerId="LiveId" clId="{F5D817D4-B95E-4E17-82DC-0F3432201AD6}" dt="2024-11-28T11:37:20.126" v="2093" actId="20577"/>
-          <ac:spMkLst>
-            <pc:docMk/>
-            <pc:sldMk cId="2950067086" sldId="261"/>
-            <ac:spMk id="4" creationId="{01AD2EB6-76DE-8B69-CBE3-106D9E9431ED}"/>
-          </ac:spMkLst>
-        </pc:spChg>
-        <pc:spChg chg="add del mod ord">
-          <ac:chgData name="Yannick Spatz" userId="7b660818652cf050" providerId="LiveId" clId="{F5D817D4-B95E-4E17-82DC-0F3432201AD6}" dt="2024-11-28T08:37:40.808" v="784" actId="478"/>
-          <ac:spMkLst>
-            <pc:docMk/>
-            <pc:sldMk cId="2950067086" sldId="261"/>
-            <ac:spMk id="9" creationId="{FFD4DA7B-A2B9-B23E-CC84-44EC5A2096F7}"/>
-          </ac:spMkLst>
-        </pc:spChg>
-        <pc:spChg chg="add mod">
-          <ac:chgData name="Yannick Spatz" userId="7b660818652cf050" providerId="LiveId" clId="{F5D817D4-B95E-4E17-82DC-0F3432201AD6}" dt="2024-11-28T08:11:24.485" v="178"/>
-          <ac:spMkLst>
-            <pc:docMk/>
-            <pc:sldMk cId="2950067086" sldId="261"/>
-            <ac:spMk id="10" creationId="{BF7F9538-A42C-CEA4-B260-502338DC6E59}"/>
-          </ac:spMkLst>
-        </pc:spChg>
-        <pc:spChg chg="add del mod">
-          <ac:chgData name="Yannick Spatz" userId="7b660818652cf050" providerId="LiveId" clId="{F5D817D4-B95E-4E17-82DC-0F3432201AD6}" dt="2024-11-28T08:37:37.616" v="776" actId="478"/>
-          <ac:spMkLst>
-            <pc:docMk/>
-            <pc:sldMk cId="2950067086" sldId="261"/>
-            <ac:spMk id="11" creationId="{A59B38D3-C041-A25F-A013-233CAD9AFAAB}"/>
-          </ac:spMkLst>
-        </pc:spChg>
-        <pc:spChg chg="add del mod">
-          <ac:chgData name="Yannick Spatz" userId="7b660818652cf050" providerId="LiveId" clId="{F5D817D4-B95E-4E17-82DC-0F3432201AD6}" dt="2024-11-28T08:37:38.808" v="778" actId="478"/>
-          <ac:spMkLst>
-            <pc:docMk/>
-            <pc:sldMk cId="2950067086" sldId="261"/>
-            <ac:spMk id="14" creationId="{90414C6B-EB13-9BB3-4107-64F62C201831}"/>
-          </ac:spMkLst>
-        </pc:spChg>
-        <pc:spChg chg="add del mod">
-          <ac:chgData name="Yannick Spatz" userId="7b660818652cf050" providerId="LiveId" clId="{F5D817D4-B95E-4E17-82DC-0F3432201AD6}" dt="2024-11-28T08:37:39.214" v="779" actId="478"/>
-          <ac:spMkLst>
-            <pc:docMk/>
-            <pc:sldMk cId="2950067086" sldId="261"/>
-            <ac:spMk id="15" creationId="{BAF895D6-D7D3-5609-1F28-EF1CD2C8E740}"/>
-          </ac:spMkLst>
-        </pc:spChg>
-        <pc:spChg chg="add del mod">
-          <ac:chgData name="Yannick Spatz" userId="7b660818652cf050" providerId="LiveId" clId="{F5D817D4-B95E-4E17-82DC-0F3432201AD6}" dt="2024-11-28T08:42:44.486" v="857" actId="478"/>
-          <ac:spMkLst>
-            <pc:docMk/>
-            <pc:sldMk cId="2950067086" sldId="261"/>
-            <ac:spMk id="18" creationId="{590500B1-F397-18BA-4B14-0D1598767FDF}"/>
-          </ac:spMkLst>
-        </pc:spChg>
-        <pc:picChg chg="add del mod">
-          <ac:chgData name="Yannick Spatz" userId="7b660818652cf050" providerId="LiveId" clId="{F5D817D4-B95E-4E17-82DC-0F3432201AD6}" dt="2024-11-28T08:37:39.878" v="781" actId="478"/>
-          <ac:picMkLst>
-            <pc:docMk/>
-            <pc:sldMk cId="2950067086" sldId="261"/>
-            <ac:picMk id="3" creationId="{0CCC5AA2-34EB-833E-FA3D-0EB4E476C50F}"/>
-          </ac:picMkLst>
-        </pc:picChg>
-        <pc:picChg chg="add del mod">
-          <ac:chgData name="Yannick Spatz" userId="7b660818652cf050" providerId="LiveId" clId="{F5D817D4-B95E-4E17-82DC-0F3432201AD6}" dt="2024-11-28T08:37:40.233" v="782" actId="478"/>
-          <ac:picMkLst>
-            <pc:docMk/>
-            <pc:sldMk cId="2950067086" sldId="261"/>
-            <ac:picMk id="5" creationId="{E27F5EC1-F290-EFEF-E53B-0FC50A459FEA}"/>
-          </ac:picMkLst>
-        </pc:picChg>
-        <pc:picChg chg="add del mod">
-          <ac:chgData name="Yannick Spatz" userId="7b660818652cf050" providerId="LiveId" clId="{F5D817D4-B95E-4E17-82DC-0F3432201AD6}" dt="2024-11-28T08:37:40.551" v="783" actId="478"/>
-          <ac:picMkLst>
-            <pc:docMk/>
-            <pc:sldMk cId="2950067086" sldId="261"/>
-            <ac:picMk id="6" creationId="{AC31B418-BA61-CA8D-6385-F1DD8E0E6D27}"/>
-          </ac:picMkLst>
-        </pc:picChg>
-        <pc:picChg chg="add del mod">
-          <ac:chgData name="Yannick Spatz" userId="7b660818652cf050" providerId="LiveId" clId="{F5D817D4-B95E-4E17-82DC-0F3432201AD6}" dt="2024-11-28T08:10:24.844" v="162" actId="478"/>
-          <ac:picMkLst>
-            <pc:docMk/>
-            <pc:sldMk cId="2950067086" sldId="261"/>
-            <ac:picMk id="7" creationId="{BC83F1C0-A70E-BFAD-8324-621508F2DB4C}"/>
-          </ac:picMkLst>
-        </pc:picChg>
-        <pc:picChg chg="add del mod">
-          <ac:chgData name="Yannick Spatz" userId="7b660818652cf050" providerId="LiveId" clId="{F5D817D4-B95E-4E17-82DC-0F3432201AD6}" dt="2024-11-28T08:37:39.542" v="780" actId="478"/>
-          <ac:picMkLst>
-            <pc:docMk/>
-            <pc:sldMk cId="2950067086" sldId="261"/>
-            <ac:picMk id="8" creationId="{E1E97796-6AD6-F1D8-0908-280AFFB2F2D5}"/>
-          </ac:picMkLst>
-        </pc:picChg>
-        <pc:picChg chg="add del mod">
-          <ac:chgData name="Yannick Spatz" userId="7b660818652cf050" providerId="LiveId" clId="{F5D817D4-B95E-4E17-82DC-0F3432201AD6}" dt="2024-11-28T08:37:38.176" v="777" actId="478"/>
-          <ac:picMkLst>
-            <pc:docMk/>
-            <pc:sldMk cId="2950067086" sldId="261"/>
-            <ac:picMk id="13" creationId="{81EBE697-9D2E-1247-4C58-84073D88F5AA}"/>
-          </ac:picMkLst>
-        </pc:picChg>
-        <pc:picChg chg="add mod">
-          <ac:chgData name="Yannick Spatz" userId="7b660818652cf050" providerId="LiveId" clId="{F5D817D4-B95E-4E17-82DC-0F3432201AD6}" dt="2024-11-28T08:43:32.404" v="862" actId="1076"/>
-          <ac:picMkLst>
-            <pc:docMk/>
-            <pc:sldMk cId="2950067086" sldId="261"/>
-            <ac:picMk id="17" creationId="{7B77B245-CDD2-92F8-F3D3-D6DC2B0025B3}"/>
-          </ac:picMkLst>
-        </pc:picChg>
-        <pc:cxnChg chg="add mod">
-          <ac:chgData name="Yannick Spatz" userId="7b660818652cf050" providerId="LiveId" clId="{F5D817D4-B95E-4E17-82DC-0F3432201AD6}" dt="2024-11-28T08:43:26.081" v="859"/>
-          <ac:cxnSpMkLst>
-            <pc:docMk/>
-            <pc:sldMk cId="2950067086" sldId="261"/>
-            <ac:cxnSpMk id="19" creationId="{BDBE8B7B-E470-142A-C999-97F8A3E1E290}"/>
-          </ac:cxnSpMkLst>
-        </pc:cxnChg>
-      </pc:sldChg>
-      <pc:sldChg chg="del">
-        <pc:chgData name="Yannick Spatz" userId="7b660818652cf050" providerId="LiveId" clId="{F5D817D4-B95E-4E17-82DC-0F3432201AD6}" dt="2024-11-28T07:55:50.878" v="11" actId="47"/>
-        <pc:sldMkLst>
-          <pc:docMk/>
-          <pc:sldMk cId="0" sldId="262"/>
-        </pc:sldMkLst>
-      </pc:sldChg>
-      <pc:sldChg chg="addSp delSp modSp add mod modAnim modNotesTx">
-        <pc:chgData name="Yannick Spatz" userId="7b660818652cf050" providerId="LiveId" clId="{F5D817D4-B95E-4E17-82DC-0F3432201AD6}" dt="2024-11-28T11:26:23.736" v="1968" actId="1076"/>
-        <pc:sldMkLst>
-          <pc:docMk/>
-          <pc:sldMk cId="1064267695" sldId="262"/>
-        </pc:sldMkLst>
-        <pc:spChg chg="mod">
-          <ac:chgData name="Yannick Spatz" userId="7b660818652cf050" providerId="LiveId" clId="{F5D817D4-B95E-4E17-82DC-0F3432201AD6}" dt="2024-11-28T08:13:43.123" v="238" actId="20577"/>
-          <ac:spMkLst>
-            <pc:docMk/>
-            <pc:sldMk cId="1064267695" sldId="262"/>
-            <ac:spMk id="4" creationId="{4914B8C6-4C82-A668-7D6E-C488F5EDDF2C}"/>
-          </ac:spMkLst>
-        </pc:spChg>
-        <pc:spChg chg="del">
-          <ac:chgData name="Yannick Spatz" userId="7b660818652cf050" providerId="LiveId" clId="{F5D817D4-B95E-4E17-82DC-0F3432201AD6}" dt="2024-11-28T08:13:28.249" v="218" actId="478"/>
-          <ac:spMkLst>
-            <pc:docMk/>
-            <pc:sldMk cId="1064267695" sldId="262"/>
-            <ac:spMk id="9" creationId="{23A748E3-84B0-27DE-8694-0F63AB289856}"/>
-          </ac:spMkLst>
-        </pc:spChg>
-        <pc:spChg chg="del">
-          <ac:chgData name="Yannick Spatz" userId="7b660818652cf050" providerId="LiveId" clId="{F5D817D4-B95E-4E17-82DC-0F3432201AD6}" dt="2024-11-28T08:13:25.378" v="213" actId="478"/>
-          <ac:spMkLst>
-            <pc:docMk/>
-            <pc:sldMk cId="1064267695" sldId="262"/>
-            <ac:spMk id="11" creationId="{6D4420D2-D54E-AB69-1576-E2A09453331B}"/>
-          </ac:spMkLst>
-        </pc:spChg>
-        <pc:spChg chg="del">
-          <ac:chgData name="Yannick Spatz" userId="7b660818652cf050" providerId="LiveId" clId="{F5D817D4-B95E-4E17-82DC-0F3432201AD6}" dt="2024-11-28T08:13:26.026" v="214" actId="478"/>
-          <ac:spMkLst>
-            <pc:docMk/>
-            <pc:sldMk cId="1064267695" sldId="262"/>
-            <ac:spMk id="14" creationId="{F3D6010F-C7ED-18CC-67C6-793EC4B8BD91}"/>
-          </ac:spMkLst>
-        </pc:spChg>
-        <pc:spChg chg="del">
-          <ac:chgData name="Yannick Spatz" userId="7b660818652cf050" providerId="LiveId" clId="{F5D817D4-B95E-4E17-82DC-0F3432201AD6}" dt="2024-11-28T08:13:27.193" v="216" actId="478"/>
-          <ac:spMkLst>
-            <pc:docMk/>
-            <pc:sldMk cId="1064267695" sldId="262"/>
-            <ac:spMk id="15" creationId="{DEF69130-7707-DBB1-BD59-998A75B5C6A7}"/>
-          </ac:spMkLst>
-        </pc:spChg>
-        <pc:spChg chg="add del mod">
-          <ac:chgData name="Yannick Spatz" userId="7b660818652cf050" providerId="LiveId" clId="{F5D817D4-B95E-4E17-82DC-0F3432201AD6}" dt="2024-11-28T08:20:31.759" v="285" actId="478"/>
-          <ac:spMkLst>
-            <pc:docMk/>
-            <pc:sldMk cId="1064267695" sldId="262"/>
-            <ac:spMk id="20" creationId="{5C064C57-97CA-CD58-5035-7699D8105767}"/>
-          </ac:spMkLst>
-        </pc:spChg>
-        <pc:spChg chg="add del mod">
-          <ac:chgData name="Yannick Spatz" userId="7b660818652cf050" providerId="LiveId" clId="{F5D817D4-B95E-4E17-82DC-0F3432201AD6}" dt="2024-11-28T08:20:31.362" v="284" actId="478"/>
-          <ac:spMkLst>
-            <pc:docMk/>
-            <pc:sldMk cId="1064267695" sldId="262"/>
-            <ac:spMk id="21" creationId="{76CA8FDA-924A-24D1-9B47-EE3895323480}"/>
-          </ac:spMkLst>
-        </pc:spChg>
-        <pc:spChg chg="add mod">
-          <ac:chgData name="Yannick Spatz" userId="7b660818652cf050" providerId="LiveId" clId="{F5D817D4-B95E-4E17-82DC-0F3432201AD6}" dt="2024-11-28T11:26:23.736" v="1968" actId="1076"/>
-          <ac:spMkLst>
-            <pc:docMk/>
-            <pc:sldMk cId="1064267695" sldId="262"/>
-            <ac:spMk id="22" creationId="{802F4138-6B35-81BE-43C8-30BCCBE8C4B9}"/>
-          </ac:spMkLst>
-        </pc:spChg>
-        <pc:picChg chg="del">
-          <ac:chgData name="Yannick Spatz" userId="7b660818652cf050" providerId="LiveId" clId="{F5D817D4-B95E-4E17-82DC-0F3432201AD6}" dt="2024-11-28T08:13:28.792" v="219" actId="478"/>
-          <ac:picMkLst>
-            <pc:docMk/>
-            <pc:sldMk cId="1064267695" sldId="262"/>
-            <ac:picMk id="3" creationId="{BF1D988D-24A2-23A3-692F-68E6E39273C0}"/>
-          </ac:picMkLst>
-        </pc:picChg>
-        <pc:picChg chg="del">
-          <ac:chgData name="Yannick Spatz" userId="7b660818652cf050" providerId="LiveId" clId="{F5D817D4-B95E-4E17-82DC-0F3432201AD6}" dt="2024-11-28T08:13:29.479" v="221" actId="478"/>
-          <ac:picMkLst>
-            <pc:docMk/>
-            <pc:sldMk cId="1064267695" sldId="262"/>
-            <ac:picMk id="5" creationId="{FE9CAC6E-5D08-5F2B-1DD1-2D5918B9E814}"/>
-          </ac:picMkLst>
-        </pc:picChg>
-        <pc:picChg chg="del">
-          <ac:chgData name="Yannick Spatz" userId="7b660818652cf050" providerId="LiveId" clId="{F5D817D4-B95E-4E17-82DC-0F3432201AD6}" dt="2024-11-28T08:13:29.184" v="220" actId="478"/>
-          <ac:picMkLst>
-            <pc:docMk/>
-            <pc:sldMk cId="1064267695" sldId="262"/>
-            <ac:picMk id="6" creationId="{24DE9871-8268-A8E5-C756-5ED2055EDDAD}"/>
-          </ac:picMkLst>
-        </pc:picChg>
-        <pc:picChg chg="add mod">
-          <ac:chgData name="Yannick Spatz" userId="7b660818652cf050" providerId="LiveId" clId="{F5D817D4-B95E-4E17-82DC-0F3432201AD6}" dt="2024-11-28T08:20:35.168" v="287" actId="1076"/>
-          <ac:picMkLst>
-            <pc:docMk/>
-            <pc:sldMk cId="1064267695" sldId="262"/>
-            <ac:picMk id="7" creationId="{6EEA0B83-780B-2F23-61FC-958B9B18A881}"/>
-          </ac:picMkLst>
-        </pc:picChg>
-        <pc:picChg chg="del">
-          <ac:chgData name="Yannick Spatz" userId="7b660818652cf050" providerId="LiveId" clId="{F5D817D4-B95E-4E17-82DC-0F3432201AD6}" dt="2024-11-28T08:13:27.512" v="217" actId="478"/>
-          <ac:picMkLst>
-            <pc:docMk/>
-            <pc:sldMk cId="1064267695" sldId="262"/>
-            <ac:picMk id="8" creationId="{29928347-881B-E8A1-3B9E-A7B26B9668A7}"/>
-          </ac:picMkLst>
-        </pc:picChg>
-        <pc:picChg chg="add mod">
-          <ac:chgData name="Yannick Spatz" userId="7b660818652cf050" providerId="LiveId" clId="{F5D817D4-B95E-4E17-82DC-0F3432201AD6}" dt="2024-11-28T08:20:34.375" v="286" actId="1076"/>
-          <ac:picMkLst>
-            <pc:docMk/>
-            <pc:sldMk cId="1064267695" sldId="262"/>
-            <ac:picMk id="10" creationId="{36727227-D4F0-242C-D7E0-19ED4820951B}"/>
-          </ac:picMkLst>
-        </pc:picChg>
-        <pc:picChg chg="del">
-          <ac:chgData name="Yannick Spatz" userId="7b660818652cf050" providerId="LiveId" clId="{F5D817D4-B95E-4E17-82DC-0F3432201AD6}" dt="2024-11-28T08:13:26.576" v="215" actId="478"/>
-          <ac:picMkLst>
-            <pc:docMk/>
-            <pc:sldMk cId="1064267695" sldId="262"/>
-            <ac:picMk id="13" creationId="{1EE83051-2B44-A1C7-69B4-45719D194DA8}"/>
-          </ac:picMkLst>
-        </pc:picChg>
-        <pc:picChg chg="add mod">
-          <ac:chgData name="Yannick Spatz" userId="7b660818652cf050" providerId="LiveId" clId="{F5D817D4-B95E-4E17-82DC-0F3432201AD6}" dt="2024-11-28T08:20:36.800" v="288" actId="1076"/>
-          <ac:picMkLst>
-            <pc:docMk/>
-            <pc:sldMk cId="1064267695" sldId="262"/>
-            <ac:picMk id="16" creationId="{37438514-12ED-5963-E54A-B04DFB193ECB}"/>
-          </ac:picMkLst>
-        </pc:picChg>
-        <pc:cxnChg chg="add del mod">
-          <ac:chgData name="Yannick Spatz" userId="7b660818652cf050" providerId="LiveId" clId="{F5D817D4-B95E-4E17-82DC-0F3432201AD6}" dt="2024-11-28T08:19:23.944" v="269" actId="478"/>
-          <ac:cxnSpMkLst>
-            <pc:docMk/>
-            <pc:sldMk cId="1064267695" sldId="262"/>
-            <ac:cxnSpMk id="18" creationId="{B8C1E367-0496-70E6-89FE-7B066213F4EB}"/>
-          </ac:cxnSpMkLst>
-        </pc:cxnChg>
-        <pc:cxnChg chg="add del mod">
-          <ac:chgData name="Yannick Spatz" userId="7b660818652cf050" providerId="LiveId" clId="{F5D817D4-B95E-4E17-82DC-0F3432201AD6}" dt="2024-11-28T09:03:48.998" v="1194" actId="478"/>
-          <ac:cxnSpMkLst>
-            <pc:docMk/>
-            <pc:sldMk cId="1064267695" sldId="262"/>
-            <ac:cxnSpMk id="24" creationId="{913030E9-B51F-F0F8-E958-66C5C0455EFD}"/>
-          </ac:cxnSpMkLst>
-        </pc:cxnChg>
-      </pc:sldChg>
-      <pc:sldChg chg="addSp delSp modSp add mod delAnim modAnim">
-        <pc:chgData name="Yannick Spatz" userId="7b660818652cf050" providerId="LiveId" clId="{F5D817D4-B95E-4E17-82DC-0F3432201AD6}" dt="2024-11-28T11:37:30.992" v="2094" actId="20577"/>
-        <pc:sldMkLst>
-          <pc:docMk/>
-          <pc:sldMk cId="2018302662" sldId="263"/>
-        </pc:sldMkLst>
-        <pc:spChg chg="mod">
-          <ac:chgData name="Yannick Spatz" userId="7b660818652cf050" providerId="LiveId" clId="{F5D817D4-B95E-4E17-82DC-0F3432201AD6}" dt="2024-11-28T11:37:30.992" v="2094" actId="20577"/>
-          <ac:spMkLst>
-            <pc:docMk/>
-            <pc:sldMk cId="2018302662" sldId="263"/>
-            <ac:spMk id="4" creationId="{A4439BCF-B85A-F49E-8A82-B45AA97A89FA}"/>
-          </ac:spMkLst>
-        </pc:spChg>
-        <pc:spChg chg="add mod">
-          <ac:chgData name="Yannick Spatz" userId="7b660818652cf050" providerId="LiveId" clId="{F5D817D4-B95E-4E17-82DC-0F3432201AD6}" dt="2024-11-28T08:48:52.520" v="948" actId="1076"/>
-          <ac:spMkLst>
-            <pc:docMk/>
-            <pc:sldMk cId="2018302662" sldId="263"/>
-            <ac:spMk id="6" creationId="{666877B9-2F71-93AE-4877-2AC77BAA413A}"/>
-          </ac:spMkLst>
-        </pc:spChg>
-        <pc:spChg chg="add mod">
-          <ac:chgData name="Yannick Spatz" userId="7b660818652cf050" providerId="LiveId" clId="{F5D817D4-B95E-4E17-82DC-0F3432201AD6}" dt="2024-11-28T08:49:56.173" v="977" actId="1076"/>
-          <ac:spMkLst>
-            <pc:docMk/>
-            <pc:sldMk cId="2018302662" sldId="263"/>
-            <ac:spMk id="15" creationId="{EA84F645-1650-9FCB-429A-941D33C20493}"/>
-          </ac:spMkLst>
-        </pc:spChg>
-        <pc:spChg chg="add mod">
-          <ac:chgData name="Yannick Spatz" userId="7b660818652cf050" providerId="LiveId" clId="{F5D817D4-B95E-4E17-82DC-0F3432201AD6}" dt="2024-11-28T08:52:20.182" v="1011" actId="14100"/>
-          <ac:spMkLst>
-            <pc:docMk/>
-            <pc:sldMk cId="2018302662" sldId="263"/>
-            <ac:spMk id="32" creationId="{F8F97F3A-2DD4-0B19-3FA7-A1336D24F340}"/>
-          </ac:spMkLst>
-        </pc:spChg>
-        <pc:spChg chg="add mod">
-          <ac:chgData name="Yannick Spatz" userId="7b660818652cf050" providerId="LiveId" clId="{F5D817D4-B95E-4E17-82DC-0F3432201AD6}" dt="2024-11-28T08:52:55.575" v="1019" actId="1076"/>
-          <ac:spMkLst>
-            <pc:docMk/>
-            <pc:sldMk cId="2018302662" sldId="263"/>
-            <ac:spMk id="33" creationId="{C2CDFEE6-73A2-0617-638E-308908225CCC}"/>
-          </ac:spMkLst>
-        </pc:spChg>
-        <pc:picChg chg="add mod">
-          <ac:chgData name="Yannick Spatz" userId="7b660818652cf050" providerId="LiveId" clId="{F5D817D4-B95E-4E17-82DC-0F3432201AD6}" dt="2024-11-28T08:48:52.520" v="948" actId="1076"/>
-          <ac:picMkLst>
-            <pc:docMk/>
-            <pc:sldMk cId="2018302662" sldId="263"/>
-            <ac:picMk id="2" creationId="{A7D8A21E-F2E3-0010-F131-91FA857F4974}"/>
-          </ac:picMkLst>
-        </pc:picChg>
-        <pc:picChg chg="add mod">
-          <ac:chgData name="Yannick Spatz" userId="7b660818652cf050" providerId="LiveId" clId="{F5D817D4-B95E-4E17-82DC-0F3432201AD6}" dt="2024-11-28T08:51:04.985" v="997" actId="1582"/>
-          <ac:picMkLst>
-            <pc:docMk/>
-            <pc:sldMk cId="2018302662" sldId="263"/>
-            <ac:picMk id="5" creationId="{19BBFE6C-E3CC-ADAF-F433-C8EE56CC6004}"/>
-          </ac:picMkLst>
-        </pc:picChg>
-        <pc:picChg chg="add mod">
-          <ac:chgData name="Yannick Spatz" userId="7b660818652cf050" providerId="LiveId" clId="{F5D817D4-B95E-4E17-82DC-0F3432201AD6}" dt="2024-11-28T08:51:04.985" v="997" actId="1582"/>
-          <ac:picMkLst>
-            <pc:docMk/>
-            <pc:sldMk cId="2018302662" sldId="263"/>
-            <ac:picMk id="8" creationId="{40C8880A-47FD-1FB6-5A59-95D9FD8656AA}"/>
-          </ac:picMkLst>
-        </pc:picChg>
-        <pc:picChg chg="add del mod">
-          <ac:chgData name="Yannick Spatz" userId="7b660818652cf050" providerId="LiveId" clId="{F5D817D4-B95E-4E17-82DC-0F3432201AD6}" dt="2024-11-28T08:48:04.676" v="940" actId="22"/>
-          <ac:picMkLst>
-            <pc:docMk/>
-            <pc:sldMk cId="2018302662" sldId="263"/>
-            <ac:picMk id="10" creationId="{9699D855-AB98-0D15-7537-D6414BF9035D}"/>
-          </ac:picMkLst>
-        </pc:picChg>
-        <pc:picChg chg="add del mod">
-          <ac:chgData name="Yannick Spatz" userId="7b660818652cf050" providerId="LiveId" clId="{F5D817D4-B95E-4E17-82DC-0F3432201AD6}" dt="2024-11-28T08:48:13.974" v="944" actId="478"/>
-          <ac:picMkLst>
-            <pc:docMk/>
-            <pc:sldMk cId="2018302662" sldId="263"/>
-            <ac:picMk id="12" creationId="{048D4754-0B0E-C80B-B55B-1369A9E09D73}"/>
-          </ac:picMkLst>
-        </pc:picChg>
-        <pc:picChg chg="add mod">
-          <ac:chgData name="Yannick Spatz" userId="7b660818652cf050" providerId="LiveId" clId="{F5D817D4-B95E-4E17-82DC-0F3432201AD6}" dt="2024-11-28T08:51:04.985" v="997" actId="1582"/>
-          <ac:picMkLst>
-            <pc:docMk/>
-            <pc:sldMk cId="2018302662" sldId="263"/>
-            <ac:picMk id="14" creationId="{D1CECAA4-E4BF-DF27-580D-2E404CE91AD5}"/>
-          </ac:picMkLst>
-        </pc:picChg>
-        <pc:picChg chg="del">
-          <ac:chgData name="Yannick Spatz" userId="7b660818652cf050" providerId="LiveId" clId="{F5D817D4-B95E-4E17-82DC-0F3432201AD6}" dt="2024-11-28T08:43:40.562" v="865" actId="478"/>
-          <ac:picMkLst>
-            <pc:docMk/>
-            <pc:sldMk cId="2018302662" sldId="263"/>
-            <ac:picMk id="17" creationId="{FCE6906D-D135-BD96-100C-64CB6ECA23AD}"/>
-          </ac:picMkLst>
-        </pc:picChg>
-        <pc:picChg chg="add mod">
-          <ac:chgData name="Yannick Spatz" userId="7b660818652cf050" providerId="LiveId" clId="{F5D817D4-B95E-4E17-82DC-0F3432201AD6}" dt="2024-11-28T08:50:55.441" v="995" actId="571"/>
-          <ac:picMkLst>
-            <pc:docMk/>
-            <pc:sldMk cId="2018302662" sldId="263"/>
-            <ac:picMk id="30" creationId="{042B7345-0F0E-95AF-2D8A-883F82DEF110}"/>
-          </ac:picMkLst>
-        </pc:picChg>
-        <pc:picChg chg="add mod">
-          <ac:chgData name="Yannick Spatz" userId="7b660818652cf050" providerId="LiveId" clId="{F5D817D4-B95E-4E17-82DC-0F3432201AD6}" dt="2024-11-28T08:50:55.441" v="995" actId="571"/>
-          <ac:picMkLst>
-            <pc:docMk/>
-            <pc:sldMk cId="2018302662" sldId="263"/>
-            <ac:picMk id="31" creationId="{EE70C5D2-5E37-8E22-098F-0009EFE9B6C2}"/>
-          </ac:picMkLst>
-        </pc:picChg>
-        <pc:cxnChg chg="add mod">
-          <ac:chgData name="Yannick Spatz" userId="7b660818652cf050" providerId="LiveId" clId="{F5D817D4-B95E-4E17-82DC-0F3432201AD6}" dt="2024-11-28T08:50:31.180" v="990" actId="13822"/>
-          <ac:cxnSpMkLst>
-            <pc:docMk/>
-            <pc:sldMk cId="2018302662" sldId="263"/>
-            <ac:cxnSpMk id="18" creationId="{C885FD90-82E7-409F-D4BC-4CB175A937FC}"/>
-          </ac:cxnSpMkLst>
-        </pc:cxnChg>
-        <pc:cxnChg chg="add mod">
-          <ac:chgData name="Yannick Spatz" userId="7b660818652cf050" providerId="LiveId" clId="{F5D817D4-B95E-4E17-82DC-0F3432201AD6}" dt="2024-11-28T08:50:50.278" v="993" actId="14100"/>
-          <ac:cxnSpMkLst>
-            <pc:docMk/>
-            <pc:sldMk cId="2018302662" sldId="263"/>
-            <ac:cxnSpMk id="21" creationId="{B59EAE33-C584-FEC7-6601-1A7E637DD603}"/>
-          </ac:cxnSpMkLst>
-        </pc:cxnChg>
-        <pc:cxnChg chg="add mod">
-          <ac:chgData name="Yannick Spatz" userId="7b660818652cf050" providerId="LiveId" clId="{F5D817D4-B95E-4E17-82DC-0F3432201AD6}" dt="2024-11-28T08:50:48.223" v="992" actId="1076"/>
-          <ac:cxnSpMkLst>
-            <pc:docMk/>
-            <pc:sldMk cId="2018302662" sldId="263"/>
-            <ac:cxnSpMk id="24" creationId="{8271382E-5243-F2EF-222F-11C685A6FA1C}"/>
-          </ac:cxnSpMkLst>
-        </pc:cxnChg>
-        <pc:cxnChg chg="add mod">
-          <ac:chgData name="Yannick Spatz" userId="7b660818652cf050" providerId="LiveId" clId="{F5D817D4-B95E-4E17-82DC-0F3432201AD6}" dt="2024-11-28T08:50:31.180" v="990" actId="13822"/>
-          <ac:cxnSpMkLst>
-            <pc:docMk/>
-            <pc:sldMk cId="2018302662" sldId="263"/>
-            <ac:cxnSpMk id="28" creationId="{F4CE75E5-39CA-EF3A-F3AE-0229B90E282D}"/>
-          </ac:cxnSpMkLst>
-        </pc:cxnChg>
-      </pc:sldChg>
-      <pc:sldChg chg="add del">
-        <pc:chgData name="Yannick Spatz" userId="7b660818652cf050" providerId="LiveId" clId="{F5D817D4-B95E-4E17-82DC-0F3432201AD6}" dt="2024-11-28T08:43:32.816" v="863"/>
-        <pc:sldMkLst>
-          <pc:docMk/>
-          <pc:sldMk cId="2936038179" sldId="263"/>
-        </pc:sldMkLst>
-      </pc:sldChg>
-      <pc:sldChg chg="addSp delSp modSp add mod delAnim modAnim">
-        <pc:chgData name="Yannick Spatz" userId="7b660818652cf050" providerId="LiveId" clId="{F5D817D4-B95E-4E17-82DC-0F3432201AD6}" dt="2024-11-28T11:37:34.530" v="2095" actId="20577"/>
-        <pc:sldMkLst>
-          <pc:docMk/>
-          <pc:sldMk cId="2489777025" sldId="264"/>
-        </pc:sldMkLst>
-        <pc:spChg chg="add mod">
-          <ac:chgData name="Yannick Spatz" userId="7b660818652cf050" providerId="LiveId" clId="{F5D817D4-B95E-4E17-82DC-0F3432201AD6}" dt="2024-11-28T08:55:27.359" v="1030" actId="1076"/>
-          <ac:spMkLst>
-            <pc:docMk/>
-            <pc:sldMk cId="2489777025" sldId="264"/>
-            <ac:spMk id="3" creationId="{55FC8994-405B-3279-C04A-E0D87994903A}"/>
-          </ac:spMkLst>
-        </pc:spChg>
-        <pc:spChg chg="mod">
-          <ac:chgData name="Yannick Spatz" userId="7b660818652cf050" providerId="LiveId" clId="{F5D817D4-B95E-4E17-82DC-0F3432201AD6}" dt="2024-11-28T11:37:34.530" v="2095" actId="20577"/>
-          <ac:spMkLst>
-            <pc:docMk/>
-            <pc:sldMk cId="2489777025" sldId="264"/>
-            <ac:spMk id="4" creationId="{88414974-8C4D-A7A5-12AD-C76005F42948}"/>
-          </ac:spMkLst>
-        </pc:spChg>
-        <pc:spChg chg="del">
-          <ac:chgData name="Yannick Spatz" userId="7b660818652cf050" providerId="LiveId" clId="{F5D817D4-B95E-4E17-82DC-0F3432201AD6}" dt="2024-11-28T08:51:35.054" v="1000" actId="478"/>
-          <ac:spMkLst>
-            <pc:docMk/>
-            <pc:sldMk cId="2489777025" sldId="264"/>
-            <ac:spMk id="6" creationId="{284551F7-D6C9-0203-9049-4293AC75E0C6}"/>
-          </ac:spMkLst>
-        </pc:spChg>
-        <pc:spChg chg="add mod">
-          <ac:chgData name="Yannick Spatz" userId="7b660818652cf050" providerId="LiveId" clId="{F5D817D4-B95E-4E17-82DC-0F3432201AD6}" dt="2024-11-28T08:57:34.373" v="1111" actId="1076"/>
-          <ac:spMkLst>
-            <pc:docMk/>
-            <pc:sldMk cId="2489777025" sldId="264"/>
-            <ac:spMk id="7" creationId="{AA7FD505-FF1C-751F-6A0A-EEA15B88BB36}"/>
-          </ac:spMkLst>
-        </pc:spChg>
-        <pc:spChg chg="add mod">
-          <ac:chgData name="Yannick Spatz" userId="7b660818652cf050" providerId="LiveId" clId="{F5D817D4-B95E-4E17-82DC-0F3432201AD6}" dt="2024-11-28T08:57:38.093" v="1112" actId="1076"/>
-          <ac:spMkLst>
-            <pc:docMk/>
-            <pc:sldMk cId="2489777025" sldId="264"/>
-            <ac:spMk id="9" creationId="{47433A76-3701-F749-EEA6-080968C97329}"/>
-          </ac:spMkLst>
-        </pc:spChg>
-        <pc:spChg chg="add mod">
-          <ac:chgData name="Yannick Spatz" userId="7b660818652cf050" providerId="LiveId" clId="{F5D817D4-B95E-4E17-82DC-0F3432201AD6}" dt="2024-11-28T08:59:49.047" v="1159" actId="1076"/>
-          <ac:spMkLst>
-            <pc:docMk/>
-            <pc:sldMk cId="2489777025" sldId="264"/>
-            <ac:spMk id="12" creationId="{B7A724A0-EFC6-0CF0-0FF6-57DA6C3DBB84}"/>
-          </ac:spMkLst>
-        </pc:spChg>
-        <pc:spChg chg="add mod">
-          <ac:chgData name="Yannick Spatz" userId="7b660818652cf050" providerId="LiveId" clId="{F5D817D4-B95E-4E17-82DC-0F3432201AD6}" dt="2024-11-28T08:59:49.047" v="1159" actId="1076"/>
-          <ac:spMkLst>
-            <pc:docMk/>
-            <pc:sldMk cId="2489777025" sldId="264"/>
-            <ac:spMk id="13" creationId="{1CDD76B3-42B2-E8E0-7EF8-4AD91D45D4CD}"/>
-          </ac:spMkLst>
-        </pc:spChg>
-        <pc:spChg chg="del">
-          <ac:chgData name="Yannick Spatz" userId="7b660818652cf050" providerId="LiveId" clId="{F5D817D4-B95E-4E17-82DC-0F3432201AD6}" dt="2024-11-28T08:51:37.253" v="1004" actId="478"/>
-          <ac:spMkLst>
-            <pc:docMk/>
-            <pc:sldMk cId="2489777025" sldId="264"/>
-            <ac:spMk id="15" creationId="{8CD27746-A661-0E55-3166-B66807A9E310}"/>
-          </ac:spMkLst>
-        </pc:spChg>
-        <pc:picChg chg="del">
-          <ac:chgData name="Yannick Spatz" userId="7b660818652cf050" providerId="LiveId" clId="{F5D817D4-B95E-4E17-82DC-0F3432201AD6}" dt="2024-11-28T08:51:33.624" v="999" actId="478"/>
-          <ac:picMkLst>
-            <pc:docMk/>
-            <pc:sldMk cId="2489777025" sldId="264"/>
-            <ac:picMk id="2" creationId="{4F75A150-9ED9-4E31-6A66-F8B860DC8494}"/>
-          </ac:picMkLst>
-        </pc:picChg>
-        <pc:picChg chg="del">
-          <ac:chgData name="Yannick Spatz" userId="7b660818652cf050" providerId="LiveId" clId="{F5D817D4-B95E-4E17-82DC-0F3432201AD6}" dt="2024-11-28T08:51:35.926" v="1002" actId="478"/>
-          <ac:picMkLst>
-            <pc:docMk/>
-            <pc:sldMk cId="2489777025" sldId="264"/>
-            <ac:picMk id="5" creationId="{E0E55EBE-0227-9891-5DCD-DA818EC1769F}"/>
-          </ac:picMkLst>
-        </pc:picChg>
-        <pc:picChg chg="del">
-          <ac:chgData name="Yannick Spatz" userId="7b660818652cf050" providerId="LiveId" clId="{F5D817D4-B95E-4E17-82DC-0F3432201AD6}" dt="2024-11-28T08:51:35.533" v="1001" actId="478"/>
-          <ac:picMkLst>
-            <pc:docMk/>
-            <pc:sldMk cId="2489777025" sldId="264"/>
-            <ac:picMk id="8" creationId="{116634AC-547E-966B-2941-DA137E075F28}"/>
-          </ac:picMkLst>
-        </pc:picChg>
-        <pc:picChg chg="add mod">
-          <ac:chgData name="Yannick Spatz" userId="7b660818652cf050" providerId="LiveId" clId="{F5D817D4-B95E-4E17-82DC-0F3432201AD6}" dt="2024-11-28T08:57:40.717" v="1113" actId="1076"/>
-          <ac:picMkLst>
-            <pc:docMk/>
-            <pc:sldMk cId="2489777025" sldId="264"/>
-            <ac:picMk id="11" creationId="{6F773088-AE85-BB97-8E38-6174D24B14BE}"/>
-          </ac:picMkLst>
-        </pc:picChg>
-        <pc:picChg chg="del">
-          <ac:chgData name="Yannick Spatz" userId="7b660818652cf050" providerId="LiveId" clId="{F5D817D4-B95E-4E17-82DC-0F3432201AD6}" dt="2024-11-28T08:51:36.312" v="1003" actId="478"/>
-          <ac:picMkLst>
-            <pc:docMk/>
-            <pc:sldMk cId="2489777025" sldId="264"/>
-            <ac:picMk id="14" creationId="{2D1C09E6-0A65-9E21-675E-750B59BE6F17}"/>
-          </ac:picMkLst>
-        </pc:picChg>
-        <pc:cxnChg chg="add mod">
-          <ac:chgData name="Yannick Spatz" userId="7b660818652cf050" providerId="LiveId" clId="{F5D817D4-B95E-4E17-82DC-0F3432201AD6}" dt="2024-11-28T09:00:37.924" v="1167" actId="14100"/>
-          <ac:cxnSpMkLst>
-            <pc:docMk/>
-            <pc:sldMk cId="2489777025" sldId="264"/>
-            <ac:cxnSpMk id="16" creationId="{CA791308-90AF-66BE-F73E-52BEB60CB893}"/>
-          </ac:cxnSpMkLst>
-        </pc:cxnChg>
-        <pc:cxnChg chg="add mod">
-          <ac:chgData name="Yannick Spatz" userId="7b660818652cf050" providerId="LiveId" clId="{F5D817D4-B95E-4E17-82DC-0F3432201AD6}" dt="2024-11-28T09:00:26.310" v="1162" actId="14100"/>
-          <ac:cxnSpMkLst>
-            <pc:docMk/>
-            <pc:sldMk cId="2489777025" sldId="264"/>
-            <ac:cxnSpMk id="17" creationId="{E175DBAA-B651-5482-BB30-1E8819FB61A9}"/>
-          </ac:cxnSpMkLst>
-        </pc:cxnChg>
-        <pc:cxnChg chg="del">
-          <ac:chgData name="Yannick Spatz" userId="7b660818652cf050" providerId="LiveId" clId="{F5D817D4-B95E-4E17-82DC-0F3432201AD6}" dt="2024-11-28T08:51:37.253" v="1004" actId="478"/>
-          <ac:cxnSpMkLst>
-            <pc:docMk/>
-            <pc:sldMk cId="2489777025" sldId="264"/>
-            <ac:cxnSpMk id="18" creationId="{2307CC07-C37B-5F2F-8B1B-652EB7BF2812}"/>
-          </ac:cxnSpMkLst>
-        </pc:cxnChg>
-        <pc:cxnChg chg="add mod">
-          <ac:chgData name="Yannick Spatz" userId="7b660818652cf050" providerId="LiveId" clId="{F5D817D4-B95E-4E17-82DC-0F3432201AD6}" dt="2024-11-28T09:00:26.310" v="1162" actId="14100"/>
-          <ac:cxnSpMkLst>
-            <pc:docMk/>
-            <pc:sldMk cId="2489777025" sldId="264"/>
-            <ac:cxnSpMk id="19" creationId="{7D2C68E0-0C28-3A99-6910-9763E0BB06F8}"/>
-          </ac:cxnSpMkLst>
-        </pc:cxnChg>
-        <pc:cxnChg chg="del">
-          <ac:chgData name="Yannick Spatz" userId="7b660818652cf050" providerId="LiveId" clId="{F5D817D4-B95E-4E17-82DC-0F3432201AD6}" dt="2024-11-28T08:51:37.253" v="1004" actId="478"/>
-          <ac:cxnSpMkLst>
-            <pc:docMk/>
-            <pc:sldMk cId="2489777025" sldId="264"/>
-            <ac:cxnSpMk id="21" creationId="{370BC0FA-D452-F2F5-EC93-0AC90B1B8666}"/>
-          </ac:cxnSpMkLst>
-        </pc:cxnChg>
-        <pc:cxnChg chg="del">
-          <ac:chgData name="Yannick Spatz" userId="7b660818652cf050" providerId="LiveId" clId="{F5D817D4-B95E-4E17-82DC-0F3432201AD6}" dt="2024-11-28T08:51:37.253" v="1004" actId="478"/>
-          <ac:cxnSpMkLst>
-            <pc:docMk/>
-            <pc:sldMk cId="2489777025" sldId="264"/>
-            <ac:cxnSpMk id="24" creationId="{70F24C4D-1E44-2CAB-3CFC-78711BF3A0FD}"/>
-          </ac:cxnSpMkLst>
-        </pc:cxnChg>
-        <pc:cxnChg chg="add mod">
-          <ac:chgData name="Yannick Spatz" userId="7b660818652cf050" providerId="LiveId" clId="{F5D817D4-B95E-4E17-82DC-0F3432201AD6}" dt="2024-11-28T09:00:29.502" v="1164" actId="1076"/>
-          <ac:cxnSpMkLst>
-            <pc:docMk/>
-            <pc:sldMk cId="2489777025" sldId="264"/>
-            <ac:cxnSpMk id="25" creationId="{26A90BDA-2F74-AD7E-F259-3873A0D77539}"/>
-          </ac:cxnSpMkLst>
-        </pc:cxnChg>
-        <pc:cxnChg chg="add mod">
-          <ac:chgData name="Yannick Spatz" userId="7b660818652cf050" providerId="LiveId" clId="{F5D817D4-B95E-4E17-82DC-0F3432201AD6}" dt="2024-11-28T09:00:41.516" v="1168" actId="14100"/>
-          <ac:cxnSpMkLst>
-            <pc:docMk/>
-            <pc:sldMk cId="2489777025" sldId="264"/>
-            <ac:cxnSpMk id="26" creationId="{8F7F0A26-2047-D0E4-7DC1-6D2E494D030D}"/>
-          </ac:cxnSpMkLst>
-        </pc:cxnChg>
-        <pc:cxnChg chg="add mod">
-          <ac:chgData name="Yannick Spatz" userId="7b660818652cf050" providerId="LiveId" clId="{F5D817D4-B95E-4E17-82DC-0F3432201AD6}" dt="2024-11-28T09:01:09.296" v="1180" actId="692"/>
-          <ac:cxnSpMkLst>
-            <pc:docMk/>
-            <pc:sldMk cId="2489777025" sldId="264"/>
-            <ac:cxnSpMk id="27" creationId="{1C8DC1AC-EAC1-0600-7AD1-81A1D29AC604}"/>
-          </ac:cxnSpMkLst>
-        </pc:cxnChg>
-        <pc:cxnChg chg="del">
-          <ac:chgData name="Yannick Spatz" userId="7b660818652cf050" providerId="LiveId" clId="{F5D817D4-B95E-4E17-82DC-0F3432201AD6}" dt="2024-11-28T08:51:37.253" v="1004" actId="478"/>
-          <ac:cxnSpMkLst>
-            <pc:docMk/>
-            <pc:sldMk cId="2489777025" sldId="264"/>
-            <ac:cxnSpMk id="28" creationId="{BCDF565C-F7C9-C18D-A46B-AA7C58022385}"/>
-          </ac:cxnSpMkLst>
-        </pc:cxnChg>
-        <pc:cxnChg chg="add mod">
-          <ac:chgData name="Yannick Spatz" userId="7b660818652cf050" providerId="LiveId" clId="{F5D817D4-B95E-4E17-82DC-0F3432201AD6}" dt="2024-11-28T09:01:09.296" v="1180" actId="692"/>
-          <ac:cxnSpMkLst>
-            <pc:docMk/>
-            <pc:sldMk cId="2489777025" sldId="264"/>
-            <ac:cxnSpMk id="30" creationId="{975645A7-C56F-11FB-3706-7D09ADFBF377}"/>
-          </ac:cxnSpMkLst>
-        </pc:cxnChg>
-        <pc:cxnChg chg="add mod">
-          <ac:chgData name="Yannick Spatz" userId="7b660818652cf050" providerId="LiveId" clId="{F5D817D4-B95E-4E17-82DC-0F3432201AD6}" dt="2024-11-28T09:01:09.296" v="1180" actId="692"/>
-          <ac:cxnSpMkLst>
-            <pc:docMk/>
-            <pc:sldMk cId="2489777025" sldId="264"/>
-            <ac:cxnSpMk id="33" creationId="{DFF55286-6122-1499-22D0-8A7EBF8A2F84}"/>
-          </ac:cxnSpMkLst>
-        </pc:cxnChg>
-      </pc:sldChg>
-      <pc:sldChg chg="addSp delSp modSp add mod delAnim">
-        <pc:chgData name="Yannick Spatz" userId="7b660818652cf050" providerId="LiveId" clId="{F5D817D4-B95E-4E17-82DC-0F3432201AD6}" dt="2024-11-28T11:38:37.185" v="2136" actId="20577"/>
-        <pc:sldMkLst>
-          <pc:docMk/>
-          <pc:sldMk cId="1338261334" sldId="265"/>
-        </pc:sldMkLst>
-        <pc:spChg chg="add mod">
-          <ac:chgData name="Yannick Spatz" userId="7b660818652cf050" providerId="LiveId" clId="{F5D817D4-B95E-4E17-82DC-0F3432201AD6}" dt="2024-11-28T11:38:37.185" v="2136" actId="20577"/>
-          <ac:spMkLst>
-            <pc:docMk/>
-            <pc:sldMk cId="1338261334" sldId="265"/>
-            <ac:spMk id="5" creationId="{BE69E9FB-1E01-E976-3384-FCBC7557093F}"/>
-          </ac:spMkLst>
-        </pc:spChg>
-        <pc:spChg chg="del">
-          <ac:chgData name="Yannick Spatz" userId="7b660818652cf050" providerId="LiveId" clId="{F5D817D4-B95E-4E17-82DC-0F3432201AD6}" dt="2024-11-28T09:04:40.233" v="1198" actId="478"/>
-          <ac:spMkLst>
-            <pc:docMk/>
-            <pc:sldMk cId="1338261334" sldId="265"/>
-            <ac:spMk id="22" creationId="{6AB9134B-4E62-75AB-545B-D923581D65EB}"/>
-          </ac:spMkLst>
-        </pc:spChg>
-        <pc:picChg chg="add del mod">
-          <ac:chgData name="Yannick Spatz" userId="7b660818652cf050" providerId="LiveId" clId="{F5D817D4-B95E-4E17-82DC-0F3432201AD6}" dt="2024-11-28T09:09:00.293" v="1203" actId="478"/>
-          <ac:picMkLst>
-            <pc:docMk/>
-            <pc:sldMk cId="1338261334" sldId="265"/>
-            <ac:picMk id="3" creationId="{A4EFDC66-6DFA-C6D4-17F9-489B036C2C73}"/>
-          </ac:picMkLst>
-        </pc:picChg>
-        <pc:picChg chg="del">
-          <ac:chgData name="Yannick Spatz" userId="7b660818652cf050" providerId="LiveId" clId="{F5D817D4-B95E-4E17-82DC-0F3432201AD6}" dt="2024-11-28T09:04:39.141" v="1197" actId="478"/>
-          <ac:picMkLst>
-            <pc:docMk/>
-            <pc:sldMk cId="1338261334" sldId="265"/>
-            <ac:picMk id="7" creationId="{C7F45F25-284C-D5A4-1B34-6B853A65719D}"/>
-          </ac:picMkLst>
-        </pc:picChg>
-        <pc:picChg chg="add del">
-          <ac:chgData name="Yannick Spatz" userId="7b660818652cf050" providerId="LiveId" clId="{F5D817D4-B95E-4E17-82DC-0F3432201AD6}" dt="2024-11-28T10:02:57.092" v="1630" actId="22"/>
-          <ac:picMkLst>
-            <pc:docMk/>
-            <pc:sldMk cId="1338261334" sldId="265"/>
-            <ac:picMk id="8" creationId="{2A35F475-BD9A-82F0-7FAB-D4558D75CD9C}"/>
-          </ac:picMkLst>
-        </pc:picChg>
-        <pc:picChg chg="del">
-          <ac:chgData name="Yannick Spatz" userId="7b660818652cf050" providerId="LiveId" clId="{F5D817D4-B95E-4E17-82DC-0F3432201AD6}" dt="2024-11-28T09:04:38.397" v="1196" actId="478"/>
-          <ac:picMkLst>
-            <pc:docMk/>
-            <pc:sldMk cId="1338261334" sldId="265"/>
-            <ac:picMk id="10" creationId="{75719745-D49D-34A1-6070-A8C44EDF97C5}"/>
-          </ac:picMkLst>
-        </pc:picChg>
-        <pc:picChg chg="del">
-          <ac:chgData name="Yannick Spatz" userId="7b660818652cf050" providerId="LiveId" clId="{F5D817D4-B95E-4E17-82DC-0F3432201AD6}" dt="2024-11-28T09:04:40.845" v="1199" actId="478"/>
-          <ac:picMkLst>
-            <pc:docMk/>
-            <pc:sldMk cId="1338261334" sldId="265"/>
-            <ac:picMk id="16" creationId="{0E828D4A-5415-626E-4933-38E352086553}"/>
-          </ac:picMkLst>
-        </pc:picChg>
-      </pc:sldChg>
-      <pc:sldChg chg="addSp delSp modSp add mod">
-        <pc:chgData name="Yannick Spatz" userId="7b660818652cf050" providerId="LiveId" clId="{F5D817D4-B95E-4E17-82DC-0F3432201AD6}" dt="2024-11-28T10:04:10.444" v="1661" actId="20577"/>
-        <pc:sldMkLst>
-          <pc:docMk/>
-          <pc:sldMk cId="3434704395" sldId="266"/>
-        </pc:sldMkLst>
-        <pc:spChg chg="mod">
-          <ac:chgData name="Yannick Spatz" userId="7b660818652cf050" providerId="LiveId" clId="{F5D817D4-B95E-4E17-82DC-0F3432201AD6}" dt="2024-11-28T10:04:10.444" v="1661" actId="20577"/>
-          <ac:spMkLst>
-            <pc:docMk/>
-            <pc:sldMk cId="3434704395" sldId="266"/>
-            <ac:spMk id="4" creationId="{CB27D493-945F-67DD-5B7D-D366732E5A85}"/>
-          </ac:spMkLst>
-        </pc:spChg>
-        <pc:spChg chg="del">
-          <ac:chgData name="Yannick Spatz" userId="7b660818652cf050" providerId="LiveId" clId="{F5D817D4-B95E-4E17-82DC-0F3432201AD6}" dt="2024-11-28T10:03:00.711" v="1632" actId="478"/>
-          <ac:spMkLst>
-            <pc:docMk/>
-            <pc:sldMk cId="3434704395" sldId="266"/>
-            <ac:spMk id="5" creationId="{7FFA7820-FF3F-488E-7D8F-0E027F4B1D70}"/>
-          </ac:spMkLst>
-        </pc:spChg>
-        <pc:picChg chg="add mod">
-          <ac:chgData name="Yannick Spatz" userId="7b660818652cf050" providerId="LiveId" clId="{F5D817D4-B95E-4E17-82DC-0F3432201AD6}" dt="2024-11-28T10:03:48.306" v="1636" actId="1076"/>
-          <ac:picMkLst>
-            <pc:docMk/>
-            <pc:sldMk cId="3434704395" sldId="266"/>
-            <ac:picMk id="3" creationId="{ED92B59C-E22D-F8DC-FA60-449FE44B649F}"/>
-          </ac:picMkLst>
-        </pc:picChg>
-        <pc:picChg chg="add del">
-          <ac:chgData name="Yannick Spatz" userId="7b660818652cf050" providerId="LiveId" clId="{F5D817D4-B95E-4E17-82DC-0F3432201AD6}" dt="2024-11-28T10:03:52.018" v="1638" actId="22"/>
-          <ac:picMkLst>
-            <pc:docMk/>
-            <pc:sldMk cId="3434704395" sldId="266"/>
-            <ac:picMk id="7" creationId="{019BF969-DDA2-5D80-06EB-E994CB4ECEC4}"/>
-          </ac:picMkLst>
-        </pc:picChg>
-      </pc:sldChg>
-      <pc:sldChg chg="addSp delSp modSp add mod delAnim modAnim">
-        <pc:chgData name="Yannick Spatz" userId="7b660818652cf050" providerId="LiveId" clId="{F5D817D4-B95E-4E17-82DC-0F3432201AD6}" dt="2024-11-28T11:35:57.129" v="2086"/>
+      <pc:sldChg chg="modSp">
+        <pc:chgData name="Yannick Spatz" userId="7b660818652cf050" providerId="LiveId" clId="{3947B432-B932-4219-9D0C-F5F7411DC775}" dt="2025-01-15T09:45:34.043" v="0" actId="1076"/>
         <pc:sldMkLst>
           <pc:docMk/>
           <pc:sldMk cId="3362420582" sldId="267"/>
         </pc:sldMkLst>
-        <pc:spChg chg="add mod">
-          <ac:chgData name="Yannick Spatz" userId="7b660818652cf050" providerId="LiveId" clId="{F5D817D4-B95E-4E17-82DC-0F3432201AD6}" dt="2024-11-28T10:14:10.722" v="1847" actId="1076"/>
-          <ac:spMkLst>
-            <pc:docMk/>
-            <pc:sldMk cId="3362420582" sldId="267"/>
-            <ac:spMk id="2" creationId="{EFE5625A-9954-2617-C518-0893BE5AF471}"/>
-          </ac:spMkLst>
-        </pc:spChg>
-        <pc:spChg chg="mod">
-          <ac:chgData name="Yannick Spatz" userId="7b660818652cf050" providerId="LiveId" clId="{F5D817D4-B95E-4E17-82DC-0F3432201AD6}" dt="2024-11-28T10:04:24.002" v="1695" actId="20577"/>
-          <ac:spMkLst>
-            <pc:docMk/>
-            <pc:sldMk cId="3362420582" sldId="267"/>
-            <ac:spMk id="4" creationId="{E0F2E93D-2193-064F-3290-059E708191F1}"/>
-          </ac:spMkLst>
-        </pc:spChg>
-        <pc:spChg chg="add mod ord">
-          <ac:chgData name="Yannick Spatz" userId="7b660818652cf050" providerId="LiveId" clId="{F5D817D4-B95E-4E17-82DC-0F3432201AD6}" dt="2024-11-28T11:18:04.744" v="1936" actId="207"/>
-          <ac:spMkLst>
-            <pc:docMk/>
-            <pc:sldMk cId="3362420582" sldId="267"/>
-            <ac:spMk id="5" creationId="{A2ED1672-EEED-2F7D-CB5C-B6EAE40EB4DF}"/>
-          </ac:spMkLst>
-        </pc:spChg>
-        <pc:spChg chg="add mod">
-          <ac:chgData name="Yannick Spatz" userId="7b660818652cf050" providerId="LiveId" clId="{F5D817D4-B95E-4E17-82DC-0F3432201AD6}" dt="2024-11-28T10:11:34.220" v="1813" actId="14100"/>
-          <ac:spMkLst>
-            <pc:docMk/>
-            <pc:sldMk cId="3362420582" sldId="267"/>
-            <ac:spMk id="6" creationId="{75C09191-3D75-2C25-8162-F42A1128C947}"/>
-          </ac:spMkLst>
-        </pc:spChg>
-        <pc:spChg chg="add mod">
-          <ac:chgData name="Yannick Spatz" userId="7b660818652cf050" providerId="LiveId" clId="{F5D817D4-B95E-4E17-82DC-0F3432201AD6}" dt="2024-11-28T10:11:42.222" v="1819" actId="20577"/>
-          <ac:spMkLst>
-            <pc:docMk/>
-            <pc:sldMk cId="3362420582" sldId="267"/>
-            <ac:spMk id="14" creationId="{9521D600-8E6E-DB37-2AAB-B7521253BA0B}"/>
-          </ac:spMkLst>
-        </pc:spChg>
-        <pc:spChg chg="add mod">
-          <ac:chgData name="Yannick Spatz" userId="7b660818652cf050" providerId="LiveId" clId="{F5D817D4-B95E-4E17-82DC-0F3432201AD6}" dt="2024-11-28T10:13:01.754" v="1838" actId="1076"/>
-          <ac:spMkLst>
-            <pc:docMk/>
-            <pc:sldMk cId="3362420582" sldId="267"/>
-            <ac:spMk id="20" creationId="{6DB10518-FC1D-CFB7-8739-8FE8AAA246F1}"/>
-          </ac:spMkLst>
-        </pc:spChg>
-        <pc:spChg chg="add del mod">
-          <ac:chgData name="Yannick Spatz" userId="7b660818652cf050" providerId="LiveId" clId="{F5D817D4-B95E-4E17-82DC-0F3432201AD6}" dt="2024-11-28T11:14:35.042" v="1851" actId="478"/>
-          <ac:spMkLst>
-            <pc:docMk/>
-            <pc:sldMk cId="3362420582" sldId="267"/>
-            <ac:spMk id="22" creationId="{E711A200-2B5C-B527-15D4-C6A839D78233}"/>
-          </ac:spMkLst>
-        </pc:spChg>
-        <pc:spChg chg="add mod">
-          <ac:chgData name="Yannick Spatz" userId="7b660818652cf050" providerId="LiveId" clId="{F5D817D4-B95E-4E17-82DC-0F3432201AD6}" dt="2024-11-28T11:15:05.256" v="1858" actId="20577"/>
-          <ac:spMkLst>
-            <pc:docMk/>
-            <pc:sldMk cId="3362420582" sldId="267"/>
-            <ac:spMk id="23" creationId="{45A40ABE-7219-7EF4-0860-41F01411BA6A}"/>
-          </ac:spMkLst>
-        </pc:spChg>
-        <pc:spChg chg="add mod">
-          <ac:chgData name="Yannick Spatz" userId="7b660818652cf050" providerId="LiveId" clId="{F5D817D4-B95E-4E17-82DC-0F3432201AD6}" dt="2024-11-28T11:16:39.191" v="1914" actId="1076"/>
-          <ac:spMkLst>
-            <pc:docMk/>
-            <pc:sldMk cId="3362420582" sldId="267"/>
-            <ac:spMk id="35" creationId="{BC848BCF-21B9-E5B5-6E87-7066C9A6D132}"/>
-          </ac:spMkLst>
-        </pc:spChg>
-        <pc:spChg chg="add mod">
-          <ac:chgData name="Yannick Spatz" userId="7b660818652cf050" providerId="LiveId" clId="{F5D817D4-B95E-4E17-82DC-0F3432201AD6}" dt="2024-11-28T11:17:46.952" v="1923" actId="693"/>
-          <ac:spMkLst>
-            <pc:docMk/>
-            <pc:sldMk cId="3362420582" sldId="267"/>
-            <ac:spMk id="36" creationId="{E527D177-B2A7-43AC-3141-D68D95C15108}"/>
-          </ac:spMkLst>
-        </pc:spChg>
-        <pc:spChg chg="add mod">
-          <ac:chgData name="Yannick Spatz" userId="7b660818652cf050" providerId="LiveId" clId="{F5D817D4-B95E-4E17-82DC-0F3432201AD6}" dt="2024-11-28T11:18:26.283" v="1952" actId="207"/>
-          <ac:spMkLst>
-            <pc:docMk/>
-            <pc:sldMk cId="3362420582" sldId="267"/>
-            <ac:spMk id="37" creationId="{F6A33D66-74E2-B467-A32E-91427D04BCFF}"/>
-          </ac:spMkLst>
-        </pc:spChg>
-        <pc:spChg chg="add mod">
-          <ac:chgData name="Yannick Spatz" userId="7b660818652cf050" providerId="LiveId" clId="{F5D817D4-B95E-4E17-82DC-0F3432201AD6}" dt="2024-11-28T11:31:14.024" v="2019" actId="207"/>
-          <ac:spMkLst>
-            <pc:docMk/>
-            <pc:sldMk cId="3362420582" sldId="267"/>
-            <ac:spMk id="55" creationId="{A23260A2-8FA0-5097-8758-0210E5C6DA66}"/>
-          </ac:spMkLst>
-        </pc:spChg>
-        <pc:picChg chg="del">
-          <ac:chgData name="Yannick Spatz" userId="7b660818652cf050" providerId="LiveId" clId="{F5D817D4-B95E-4E17-82DC-0F3432201AD6}" dt="2024-11-28T10:03:54.971" v="1640" actId="478"/>
-          <ac:picMkLst>
-            <pc:docMk/>
-            <pc:sldMk cId="3362420582" sldId="267"/>
-            <ac:picMk id="3" creationId="{A437596E-66F0-91BC-E29A-4C5940CEF135}"/>
-          </ac:picMkLst>
-        </pc:picChg>
-        <pc:picChg chg="add mod">
-          <ac:chgData name="Yannick Spatz" userId="7b660818652cf050" providerId="LiveId" clId="{F5D817D4-B95E-4E17-82DC-0F3432201AD6}" dt="2024-11-28T11:26:55.991" v="1980" actId="1076"/>
-          <ac:picMkLst>
-            <pc:docMk/>
-            <pc:sldMk cId="3362420582" sldId="267"/>
-            <ac:picMk id="42" creationId="{6AF4FB56-E082-C00B-F444-5F07DFE67450}"/>
-          </ac:picMkLst>
-        </pc:picChg>
-        <pc:picChg chg="add del mod">
-          <ac:chgData name="Yannick Spatz" userId="7b660818652cf050" providerId="LiveId" clId="{F5D817D4-B95E-4E17-82DC-0F3432201AD6}" dt="2024-11-28T11:26:34.993" v="1975" actId="478"/>
-          <ac:picMkLst>
-            <pc:docMk/>
-            <pc:sldMk cId="3362420582" sldId="267"/>
-            <ac:picMk id="43" creationId="{DE3D2857-AFDA-F136-9E78-CB3BEB7B3BFD}"/>
-          </ac:picMkLst>
-        </pc:picChg>
-        <pc:picChg chg="add del mod">
-          <ac:chgData name="Yannick Spatz" userId="7b660818652cf050" providerId="LiveId" clId="{F5D817D4-B95E-4E17-82DC-0F3432201AD6}" dt="2024-11-28T11:26:33.225" v="1974" actId="478"/>
-          <ac:picMkLst>
-            <pc:docMk/>
-            <pc:sldMk cId="3362420582" sldId="267"/>
-            <ac:picMk id="44" creationId="{A9B0ECAD-C115-EA82-D9A8-406AFE0230CA}"/>
-          </ac:picMkLst>
-        </pc:picChg>
-        <pc:picChg chg="add mod">
-          <ac:chgData name="Yannick Spatz" userId="7b660818652cf050" providerId="LiveId" clId="{F5D817D4-B95E-4E17-82DC-0F3432201AD6}" dt="2024-11-28T11:34:14.473" v="2077" actId="1036"/>
-          <ac:picMkLst>
-            <pc:docMk/>
-            <pc:sldMk cId="3362420582" sldId="267"/>
-            <ac:picMk id="45" creationId="{33606EB9-1DE1-29D8-1BBB-952321458311}"/>
-          </ac:picMkLst>
-        </pc:picChg>
-        <pc:picChg chg="add del mod">
-          <ac:chgData name="Yannick Spatz" userId="7b660818652cf050" providerId="LiveId" clId="{F5D817D4-B95E-4E17-82DC-0F3432201AD6}" dt="2024-11-28T11:27:41.768" v="1991" actId="478"/>
-          <ac:picMkLst>
-            <pc:docMk/>
-            <pc:sldMk cId="3362420582" sldId="267"/>
-            <ac:picMk id="46" creationId="{6B75C31E-4544-E15E-1C17-76345C856B49}"/>
-          </ac:picMkLst>
-        </pc:picChg>
-        <pc:picChg chg="add mod">
-          <ac:chgData name="Yannick Spatz" userId="7b660818652cf050" providerId="LiveId" clId="{F5D817D4-B95E-4E17-82DC-0F3432201AD6}" dt="2024-11-28T11:34:14.473" v="2077" actId="1036"/>
-          <ac:picMkLst>
-            <pc:docMk/>
-            <pc:sldMk cId="3362420582" sldId="267"/>
-            <ac:picMk id="47" creationId="{8B628C20-96BE-3E69-EE3C-B7273E0FF778}"/>
-          </ac:picMkLst>
-        </pc:picChg>
-        <pc:picChg chg="add mod">
-          <ac:chgData name="Yannick Spatz" userId="7b660818652cf050" providerId="LiveId" clId="{F5D817D4-B95E-4E17-82DC-0F3432201AD6}" dt="2024-11-28T11:34:14.473" v="2077" actId="1036"/>
-          <ac:picMkLst>
-            <pc:docMk/>
-            <pc:sldMk cId="3362420582" sldId="267"/>
-            <ac:picMk id="48" creationId="{9B67CFAB-9BC0-CEF7-909A-DF7F37EA9460}"/>
-          </ac:picMkLst>
-        </pc:picChg>
-        <pc:picChg chg="add mod">
-          <ac:chgData name="Yannick Spatz" userId="7b660818652cf050" providerId="LiveId" clId="{F5D817D4-B95E-4E17-82DC-0F3432201AD6}" dt="2024-11-28T11:28:04.196" v="2002" actId="571"/>
-          <ac:picMkLst>
-            <pc:docMk/>
-            <pc:sldMk cId="3362420582" sldId="267"/>
-            <ac:picMk id="49" creationId="{0AC1A181-FB92-F6BF-68A7-0B6A08FC7AEC}"/>
-          </ac:picMkLst>
-        </pc:picChg>
-        <pc:picChg chg="add mod">
-          <ac:chgData name="Yannick Spatz" userId="7b660818652cf050" providerId="LiveId" clId="{F5D817D4-B95E-4E17-82DC-0F3432201AD6}" dt="2024-11-28T11:28:04.196" v="2002" actId="571"/>
-          <ac:picMkLst>
-            <pc:docMk/>
-            <pc:sldMk cId="3362420582" sldId="267"/>
-            <ac:picMk id="50" creationId="{6C01AE4F-EB33-45FB-7E25-90DDE12D66D8}"/>
-          </ac:picMkLst>
-        </pc:picChg>
-        <pc:picChg chg="add mod">
-          <ac:chgData name="Yannick Spatz" userId="7b660818652cf050" providerId="LiveId" clId="{F5D817D4-B95E-4E17-82DC-0F3432201AD6}" dt="2024-11-28T11:28:10.848" v="2004" actId="571"/>
-          <ac:picMkLst>
-            <pc:docMk/>
-            <pc:sldMk cId="3362420582" sldId="267"/>
-            <ac:picMk id="51" creationId="{2644CCAF-D134-457E-9D7F-46B7ED5F6A34}"/>
-          </ac:picMkLst>
-        </pc:picChg>
-        <pc:picChg chg="add mod">
-          <ac:chgData name="Yannick Spatz" userId="7b660818652cf050" providerId="LiveId" clId="{F5D817D4-B95E-4E17-82DC-0F3432201AD6}" dt="2024-11-28T11:28:10.848" v="2004" actId="571"/>
-          <ac:picMkLst>
-            <pc:docMk/>
-            <pc:sldMk cId="3362420582" sldId="267"/>
-            <ac:picMk id="52" creationId="{F4A2DD80-C38F-8BBB-F8D5-BE18592BC198}"/>
-          </ac:picMkLst>
-        </pc:picChg>
-        <pc:picChg chg="add mod">
-          <ac:chgData name="Yannick Spatz" userId="7b660818652cf050" providerId="LiveId" clId="{F5D817D4-B95E-4E17-82DC-0F3432201AD6}" dt="2024-11-28T11:31:02.843" v="2015" actId="571"/>
-          <ac:picMkLst>
-            <pc:docMk/>
-            <pc:sldMk cId="3362420582" sldId="267"/>
-            <ac:picMk id="53" creationId="{36218CDE-F2A6-E267-7017-96097C23E83E}"/>
-          </ac:picMkLst>
-        </pc:picChg>
-        <pc:picChg chg="add mod">
-          <ac:chgData name="Yannick Spatz" userId="7b660818652cf050" providerId="LiveId" clId="{F5D817D4-B95E-4E17-82DC-0F3432201AD6}" dt="2024-11-28T11:31:02.843" v="2015" actId="571"/>
-          <ac:picMkLst>
-            <pc:docMk/>
-            <pc:sldMk cId="3362420582" sldId="267"/>
-            <ac:picMk id="54" creationId="{534587AF-861B-D05C-8976-D1436D7B9C9E}"/>
-          </ac:picMkLst>
-        </pc:picChg>
-        <pc:picChg chg="add del mod">
-          <ac:chgData name="Yannick Spatz" userId="7b660818652cf050" providerId="LiveId" clId="{F5D817D4-B95E-4E17-82DC-0F3432201AD6}" dt="2024-11-28T11:32:51.267" v="2050" actId="478"/>
-          <ac:picMkLst>
-            <pc:docMk/>
-            <pc:sldMk cId="3362420582" sldId="267"/>
-            <ac:picMk id="56" creationId="{A2E818FE-7D4F-88D6-5E98-F0E50DE0DA74}"/>
-          </ac:picMkLst>
-        </pc:picChg>
-        <pc:picChg chg="add del mod">
-          <ac:chgData name="Yannick Spatz" userId="7b660818652cf050" providerId="LiveId" clId="{F5D817D4-B95E-4E17-82DC-0F3432201AD6}" dt="2024-11-28T11:32:35.457" v="2046" actId="478"/>
-          <ac:picMkLst>
-            <pc:docMk/>
-            <pc:sldMk cId="3362420582" sldId="267"/>
-            <ac:picMk id="57" creationId="{63E38180-24A5-FE2B-0FE1-D8493F7AB7B7}"/>
-          </ac:picMkLst>
-        </pc:picChg>
-        <pc:picChg chg="add mod">
-          <ac:chgData name="Yannick Spatz" userId="7b660818652cf050" providerId="LiveId" clId="{F5D817D4-B95E-4E17-82DC-0F3432201AD6}" dt="2024-11-28T11:31:51.203" v="2033" actId="571"/>
-          <ac:picMkLst>
-            <pc:docMk/>
-            <pc:sldMk cId="3362420582" sldId="267"/>
-            <ac:picMk id="58" creationId="{34BBAAEC-3018-4F4D-7D50-83C601EE8F4C}"/>
-          </ac:picMkLst>
-        </pc:picChg>
-        <pc:picChg chg="add mod">
-          <ac:chgData name="Yannick Spatz" userId="7b660818652cf050" providerId="LiveId" clId="{F5D817D4-B95E-4E17-82DC-0F3432201AD6}" dt="2024-11-28T11:31:51.203" v="2033" actId="571"/>
-          <ac:picMkLst>
-            <pc:docMk/>
-            <pc:sldMk cId="3362420582" sldId="267"/>
-            <ac:picMk id="59" creationId="{739143FA-535F-602D-D5BF-8DE94C415EC9}"/>
-          </ac:picMkLst>
-        </pc:picChg>
-        <pc:picChg chg="add mod">
-          <ac:chgData name="Yannick Spatz" userId="7b660818652cf050" providerId="LiveId" clId="{F5D817D4-B95E-4E17-82DC-0F3432201AD6}" dt="2024-11-28T11:31:51.203" v="2033" actId="571"/>
-          <ac:picMkLst>
-            <pc:docMk/>
-            <pc:sldMk cId="3362420582" sldId="267"/>
-            <ac:picMk id="60" creationId="{3B86FD7C-E0B5-33B4-8F90-B45564C67E77}"/>
-          </ac:picMkLst>
-        </pc:picChg>
-        <pc:picChg chg="add mod">
-          <ac:chgData name="Yannick Spatz" userId="7b660818652cf050" providerId="LiveId" clId="{F5D817D4-B95E-4E17-82DC-0F3432201AD6}" dt="2024-11-28T10:11:48.713" v="1822" actId="1076"/>
-          <ac:picMkLst>
-            <pc:docMk/>
-            <pc:sldMk cId="3362420582" sldId="267"/>
-            <ac:picMk id="1026" creationId="{B55C6CFD-90A4-D131-D944-FAB9FFE79851}"/>
-          </ac:picMkLst>
-        </pc:picChg>
-        <pc:picChg chg="add mod">
-          <ac:chgData name="Yannick Spatz" userId="7b660818652cf050" providerId="LiveId" clId="{F5D817D4-B95E-4E17-82DC-0F3432201AD6}" dt="2024-11-28T10:13:43.812" v="1845" actId="1076"/>
+        <pc:picChg chg="mod">
+          <ac:chgData name="Yannick Spatz" userId="7b660818652cf050" providerId="LiveId" clId="{3947B432-B932-4219-9D0C-F5F7411DC775}" dt="2025-01-15T09:45:34.043" v="0" actId="1076"/>
           <ac:picMkLst>
             <pc:docMk/>
             <pc:sldMk cId="3362420582" sldId="267"/>
             <ac:picMk id="1028" creationId="{CEBC38DA-EA6E-1DC6-DD1C-D5F0BAEC66DD}"/>
           </ac:picMkLst>
         </pc:picChg>
-        <pc:picChg chg="add del mod">
-          <ac:chgData name="Yannick Spatz" userId="7b660818652cf050" providerId="LiveId" clId="{F5D817D4-B95E-4E17-82DC-0F3432201AD6}" dt="2024-11-28T11:26:36.323" v="1976" actId="478"/>
-          <ac:picMkLst>
-            <pc:docMk/>
-            <pc:sldMk cId="3362420582" sldId="267"/>
-            <ac:picMk id="1030" creationId="{A884E228-806A-2CF7-E0E2-2EF192144D73}"/>
-          </ac:picMkLst>
-        </pc:picChg>
-        <pc:picChg chg="add del mod">
-          <ac:chgData name="Yannick Spatz" userId="7b660818652cf050" providerId="LiveId" clId="{F5D817D4-B95E-4E17-82DC-0F3432201AD6}" dt="2024-11-28T11:32:31.427" v="2042" actId="478"/>
-          <ac:picMkLst>
-            <pc:docMk/>
-            <pc:sldMk cId="3362420582" sldId="267"/>
-            <ac:picMk id="1032" creationId="{51706E55-E790-D505-CD38-3200480FA051}"/>
-          </ac:picMkLst>
-        </pc:picChg>
-        <pc:cxnChg chg="add mod">
-          <ac:chgData name="Yannick Spatz" userId="7b660818652cf050" providerId="LiveId" clId="{F5D817D4-B95E-4E17-82DC-0F3432201AD6}" dt="2024-11-28T11:16:14.826" v="1874" actId="14100"/>
-          <ac:cxnSpMkLst>
-            <pc:docMk/>
-            <pc:sldMk cId="3362420582" sldId="267"/>
-            <ac:cxnSpMk id="8" creationId="{73017F42-E8B8-3B28-9079-80C3DB7B2722}"/>
-          </ac:cxnSpMkLst>
-        </pc:cxnChg>
-        <pc:cxnChg chg="add mod">
-          <ac:chgData name="Yannick Spatz" userId="7b660818652cf050" providerId="LiveId" clId="{F5D817D4-B95E-4E17-82DC-0F3432201AD6}" dt="2024-11-28T10:11:55.834" v="1826" actId="14100"/>
-          <ac:cxnSpMkLst>
-            <pc:docMk/>
-            <pc:sldMk cId="3362420582" sldId="267"/>
-            <ac:cxnSpMk id="17" creationId="{672EA251-9611-1ACB-58CF-CD8D00B77ECC}"/>
-          </ac:cxnSpMkLst>
-        </pc:cxnChg>
-        <pc:cxnChg chg="add mod">
-          <ac:chgData name="Yannick Spatz" userId="7b660818652cf050" providerId="LiveId" clId="{F5D817D4-B95E-4E17-82DC-0F3432201AD6}" dt="2024-11-28T11:15:14.482" v="1862" actId="14100"/>
-          <ac:cxnSpMkLst>
-            <pc:docMk/>
-            <pc:sldMk cId="3362420582" sldId="267"/>
-            <ac:cxnSpMk id="24" creationId="{9DB522B1-7DCA-C9D3-4D33-F4B703B12F55}"/>
-          </ac:cxnSpMkLst>
-        </pc:cxnChg>
-        <pc:cxnChg chg="add del mod">
-          <ac:chgData name="Yannick Spatz" userId="7b660818652cf050" providerId="LiveId" clId="{F5D817D4-B95E-4E17-82DC-0F3432201AD6}" dt="2024-11-28T11:15:35.730" v="1865" actId="478"/>
-          <ac:cxnSpMkLst>
-            <pc:docMk/>
-            <pc:sldMk cId="3362420582" sldId="267"/>
-            <ac:cxnSpMk id="28" creationId="{3CD2DC3A-1623-E247-B4A6-69B031D29344}"/>
-          </ac:cxnSpMkLst>
-        </pc:cxnChg>
-        <pc:cxnChg chg="add mod">
-          <ac:chgData name="Yannick Spatz" userId="7b660818652cf050" providerId="LiveId" clId="{F5D817D4-B95E-4E17-82DC-0F3432201AD6}" dt="2024-11-28T11:16:13.192" v="1873" actId="14100"/>
-          <ac:cxnSpMkLst>
-            <pc:docMk/>
-            <pc:sldMk cId="3362420582" sldId="267"/>
-            <ac:cxnSpMk id="31" creationId="{205754FD-F810-5F70-93EE-D64C3CF36EF2}"/>
-          </ac:cxnSpMkLst>
-        </pc:cxnChg>
-        <pc:cxnChg chg="add mod">
-          <ac:chgData name="Yannick Spatz" userId="7b660818652cf050" providerId="LiveId" clId="{F5D817D4-B95E-4E17-82DC-0F3432201AD6}" dt="2024-11-28T11:19:25.545" v="1957" actId="13822"/>
-          <ac:cxnSpMkLst>
-            <pc:docMk/>
-            <pc:sldMk cId="3362420582" sldId="267"/>
-            <ac:cxnSpMk id="39" creationId="{7DA77074-55B6-3E7C-CDDE-6E140B61BC8D}"/>
-          </ac:cxnSpMkLst>
-        </pc:cxnChg>
-        <pc:cxnChg chg="add mod">
-          <ac:chgData name="Yannick Spatz" userId="7b660818652cf050" providerId="LiveId" clId="{F5D817D4-B95E-4E17-82DC-0F3432201AD6}" dt="2024-11-28T11:34:45.311" v="2084" actId="693"/>
-          <ac:cxnSpMkLst>
-            <pc:docMk/>
-            <pc:sldMk cId="3362420582" sldId="267"/>
-            <ac:cxnSpMk id="62" creationId="{695C7CA3-1C04-6FD8-CE89-2681806BFB48}"/>
-          </ac:cxnSpMkLst>
-        </pc:cxnChg>
-        <pc:cxnChg chg="add mod">
-          <ac:chgData name="Yannick Spatz" userId="7b660818652cf050" providerId="LiveId" clId="{F5D817D4-B95E-4E17-82DC-0F3432201AD6}" dt="2024-11-28T11:34:45.311" v="2084" actId="693"/>
-          <ac:cxnSpMkLst>
-            <pc:docMk/>
-            <pc:sldMk cId="3362420582" sldId="267"/>
-            <ac:cxnSpMk id="1024" creationId="{C01DB75E-700B-92B7-9267-41AC37324CC1}"/>
-          </ac:cxnSpMkLst>
-        </pc:cxnChg>
-        <pc:cxnChg chg="add mod">
-          <ac:chgData name="Yannick Spatz" userId="7b660818652cf050" providerId="LiveId" clId="{F5D817D4-B95E-4E17-82DC-0F3432201AD6}" dt="2024-11-28T11:34:45.311" v="2084" actId="693"/>
-          <ac:cxnSpMkLst>
-            <pc:docMk/>
-            <pc:sldMk cId="3362420582" sldId="267"/>
-            <ac:cxnSpMk id="1029" creationId="{DAA96A96-A5AB-4242-2A05-BB5301799AC3}"/>
-          </ac:cxnSpMkLst>
-        </pc:cxnChg>
-        <pc:cxnChg chg="add mod">
-          <ac:chgData name="Yannick Spatz" userId="7b660818652cf050" providerId="LiveId" clId="{F5D817D4-B95E-4E17-82DC-0F3432201AD6}" dt="2024-11-28T11:34:45.311" v="2084" actId="693"/>
-          <ac:cxnSpMkLst>
-            <pc:docMk/>
-            <pc:sldMk cId="3362420582" sldId="267"/>
-            <ac:cxnSpMk id="1034" creationId="{BA81B776-CEF4-5B92-B4D3-8ABD443AA281}"/>
-          </ac:cxnSpMkLst>
-        </pc:cxnChg>
-        <pc:cxnChg chg="add mod">
-          <ac:chgData name="Yannick Spatz" userId="7b660818652cf050" providerId="LiveId" clId="{F5D817D4-B95E-4E17-82DC-0F3432201AD6}" dt="2024-11-28T11:34:45.311" v="2084" actId="693"/>
-          <ac:cxnSpMkLst>
-            <pc:docMk/>
-            <pc:sldMk cId="3362420582" sldId="267"/>
-            <ac:cxnSpMk id="1037" creationId="{D91766A6-5324-C336-750E-CAE4974D0254}"/>
-          </ac:cxnSpMkLst>
-        </pc:cxnChg>
-      </pc:sldChg>
-      <pc:sldChg chg="addSp delSp modSp add mod modAnim">
-        <pc:chgData name="Yannick Spatz" userId="7b660818652cf050" providerId="LiveId" clId="{F5D817D4-B95E-4E17-82DC-0F3432201AD6}" dt="2024-11-28T12:31:18.685" v="2201" actId="20577"/>
-        <pc:sldMkLst>
-          <pc:docMk/>
-          <pc:sldMk cId="1870424570" sldId="268"/>
-        </pc:sldMkLst>
-        <pc:spChg chg="del">
-          <ac:chgData name="Yannick Spatz" userId="7b660818652cf050" providerId="LiveId" clId="{F5D817D4-B95E-4E17-82DC-0F3432201AD6}" dt="2024-11-28T12:26:43.508" v="2138" actId="478"/>
-          <ac:spMkLst>
-            <pc:docMk/>
-            <pc:sldMk cId="1870424570" sldId="268"/>
-            <ac:spMk id="2" creationId="{34FDD95F-5170-82EA-4686-668F9FED0235}"/>
-          </ac:spMkLst>
-        </pc:spChg>
-        <pc:spChg chg="mod">
-          <ac:chgData name="Yannick Spatz" userId="7b660818652cf050" providerId="LiveId" clId="{F5D817D4-B95E-4E17-82DC-0F3432201AD6}" dt="2024-11-28T12:31:18.685" v="2201" actId="20577"/>
-          <ac:spMkLst>
-            <pc:docMk/>
-            <pc:sldMk cId="1870424570" sldId="268"/>
-            <ac:spMk id="4" creationId="{03783303-D862-7F9A-5C89-3C79AA6BD0CB}"/>
-          </ac:spMkLst>
-        </pc:spChg>
-        <pc:spChg chg="del">
-          <ac:chgData name="Yannick Spatz" userId="7b660818652cf050" providerId="LiveId" clId="{F5D817D4-B95E-4E17-82DC-0F3432201AD6}" dt="2024-11-28T12:26:43.508" v="2138" actId="478"/>
-          <ac:spMkLst>
-            <pc:docMk/>
-            <pc:sldMk cId="1870424570" sldId="268"/>
-            <ac:spMk id="5" creationId="{52144E27-B8A9-EA08-0175-B462B5A21A0A}"/>
-          </ac:spMkLst>
-        </pc:spChg>
-        <pc:spChg chg="del">
-          <ac:chgData name="Yannick Spatz" userId="7b660818652cf050" providerId="LiveId" clId="{F5D817D4-B95E-4E17-82DC-0F3432201AD6}" dt="2024-11-28T12:26:43.508" v="2138" actId="478"/>
-          <ac:spMkLst>
-            <pc:docMk/>
-            <pc:sldMk cId="1870424570" sldId="268"/>
-            <ac:spMk id="6" creationId="{6683B724-BC2E-3C94-B119-FBAECE0ADB85}"/>
-          </ac:spMkLst>
-        </pc:spChg>
-        <pc:spChg chg="del">
-          <ac:chgData name="Yannick Spatz" userId="7b660818652cf050" providerId="LiveId" clId="{F5D817D4-B95E-4E17-82DC-0F3432201AD6}" dt="2024-11-28T12:26:43.508" v="2138" actId="478"/>
-          <ac:spMkLst>
-            <pc:docMk/>
-            <pc:sldMk cId="1870424570" sldId="268"/>
-            <ac:spMk id="14" creationId="{78C575FD-ABBD-A9DA-7606-DD59864ACEE4}"/>
-          </ac:spMkLst>
-        </pc:spChg>
-        <pc:spChg chg="del">
-          <ac:chgData name="Yannick Spatz" userId="7b660818652cf050" providerId="LiveId" clId="{F5D817D4-B95E-4E17-82DC-0F3432201AD6}" dt="2024-11-28T12:26:43.508" v="2138" actId="478"/>
-          <ac:spMkLst>
-            <pc:docMk/>
-            <pc:sldMk cId="1870424570" sldId="268"/>
-            <ac:spMk id="20" creationId="{721E279B-2B79-FF00-FFE9-69CA2A29B7D8}"/>
-          </ac:spMkLst>
-        </pc:spChg>
-        <pc:spChg chg="del">
-          <ac:chgData name="Yannick Spatz" userId="7b660818652cf050" providerId="LiveId" clId="{F5D817D4-B95E-4E17-82DC-0F3432201AD6}" dt="2024-11-28T12:26:43.508" v="2138" actId="478"/>
-          <ac:spMkLst>
-            <pc:docMk/>
-            <pc:sldMk cId="1870424570" sldId="268"/>
-            <ac:spMk id="23" creationId="{F10CF74F-34B6-6B95-DB54-CE53AF66276B}"/>
-          </ac:spMkLst>
-        </pc:spChg>
-        <pc:spChg chg="del">
-          <ac:chgData name="Yannick Spatz" userId="7b660818652cf050" providerId="LiveId" clId="{F5D817D4-B95E-4E17-82DC-0F3432201AD6}" dt="2024-11-28T12:26:43.508" v="2138" actId="478"/>
-          <ac:spMkLst>
-            <pc:docMk/>
-            <pc:sldMk cId="1870424570" sldId="268"/>
-            <ac:spMk id="35" creationId="{376B420C-C8DC-B9DA-CBE4-1F4744FC87CC}"/>
-          </ac:spMkLst>
-        </pc:spChg>
-        <pc:spChg chg="del">
-          <ac:chgData name="Yannick Spatz" userId="7b660818652cf050" providerId="LiveId" clId="{F5D817D4-B95E-4E17-82DC-0F3432201AD6}" dt="2024-11-28T12:26:43.508" v="2138" actId="478"/>
-          <ac:spMkLst>
-            <pc:docMk/>
-            <pc:sldMk cId="1870424570" sldId="268"/>
-            <ac:spMk id="36" creationId="{A78962B4-BCF7-7193-E31F-6C5D703523B5}"/>
-          </ac:spMkLst>
-        </pc:spChg>
-        <pc:spChg chg="del">
-          <ac:chgData name="Yannick Spatz" userId="7b660818652cf050" providerId="LiveId" clId="{F5D817D4-B95E-4E17-82DC-0F3432201AD6}" dt="2024-11-28T12:26:43.508" v="2138" actId="478"/>
-          <ac:spMkLst>
-            <pc:docMk/>
-            <pc:sldMk cId="1870424570" sldId="268"/>
-            <ac:spMk id="37" creationId="{6D562100-B352-B3AA-774B-9C2C257A0A0B}"/>
-          </ac:spMkLst>
-        </pc:spChg>
-        <pc:spChg chg="del">
-          <ac:chgData name="Yannick Spatz" userId="7b660818652cf050" providerId="LiveId" clId="{F5D817D4-B95E-4E17-82DC-0F3432201AD6}" dt="2024-11-28T12:26:43.508" v="2138" actId="478"/>
-          <ac:spMkLst>
-            <pc:docMk/>
-            <pc:sldMk cId="1870424570" sldId="268"/>
-            <ac:spMk id="55" creationId="{64554CDC-88DC-DDA8-5722-C0962CDBFE09}"/>
-          </ac:spMkLst>
-        </pc:spChg>
-        <pc:picChg chg="add mod">
-          <ac:chgData name="Yannick Spatz" userId="7b660818652cf050" providerId="LiveId" clId="{F5D817D4-B95E-4E17-82DC-0F3432201AD6}" dt="2024-11-28T12:30:17.940" v="2159" actId="1076"/>
-          <ac:picMkLst>
-            <pc:docMk/>
-            <pc:sldMk cId="1870424570" sldId="268"/>
-            <ac:picMk id="7" creationId="{8CB84EDB-F6AC-89B3-EC40-1B4079DC2094}"/>
-          </ac:picMkLst>
-        </pc:picChg>
-        <pc:picChg chg="add mod">
-          <ac:chgData name="Yannick Spatz" userId="7b660818652cf050" providerId="LiveId" clId="{F5D817D4-B95E-4E17-82DC-0F3432201AD6}" dt="2024-11-28T12:31:01.084" v="2176" actId="1076"/>
-          <ac:picMkLst>
-            <pc:docMk/>
-            <pc:sldMk cId="1870424570" sldId="268"/>
-            <ac:picMk id="10" creationId="{15AC0BEB-C7EB-4C4D-C400-15A33901165E}"/>
-          </ac:picMkLst>
-        </pc:picChg>
-        <pc:picChg chg="add del mod">
-          <ac:chgData name="Yannick Spatz" userId="7b660818652cf050" providerId="LiveId" clId="{F5D817D4-B95E-4E17-82DC-0F3432201AD6}" dt="2024-11-28T12:30:06.674" v="2153" actId="22"/>
-          <ac:picMkLst>
-            <pc:docMk/>
-            <pc:sldMk cId="1870424570" sldId="268"/>
-            <ac:picMk id="12" creationId="{B56E6612-F13B-9643-1E3C-93AA5FEF2A42}"/>
-          </ac:picMkLst>
-        </pc:picChg>
-        <pc:picChg chg="add mod">
-          <ac:chgData name="Yannick Spatz" userId="7b660818652cf050" providerId="LiveId" clId="{F5D817D4-B95E-4E17-82DC-0F3432201AD6}" dt="2024-11-28T12:30:40.676" v="2172" actId="1076"/>
-          <ac:picMkLst>
-            <pc:docMk/>
-            <pc:sldMk cId="1870424570" sldId="268"/>
-            <ac:picMk id="15" creationId="{6EE7629F-A024-BFFB-78DB-0743A691CF07}"/>
-          </ac:picMkLst>
-        </pc:picChg>
-        <pc:picChg chg="del">
-          <ac:chgData name="Yannick Spatz" userId="7b660818652cf050" providerId="LiveId" clId="{F5D817D4-B95E-4E17-82DC-0F3432201AD6}" dt="2024-11-28T12:26:43.508" v="2138" actId="478"/>
-          <ac:picMkLst>
-            <pc:docMk/>
-            <pc:sldMk cId="1870424570" sldId="268"/>
-            <ac:picMk id="42" creationId="{4B253A7A-6AFE-8B94-B8C7-101B5033092D}"/>
-          </ac:picMkLst>
-        </pc:picChg>
-        <pc:picChg chg="del">
-          <ac:chgData name="Yannick Spatz" userId="7b660818652cf050" providerId="LiveId" clId="{F5D817D4-B95E-4E17-82DC-0F3432201AD6}" dt="2024-11-28T12:26:43.508" v="2138" actId="478"/>
-          <ac:picMkLst>
-            <pc:docMk/>
-            <pc:sldMk cId="1870424570" sldId="268"/>
-            <ac:picMk id="45" creationId="{A22C5261-9DCE-6B9D-AD02-539FAEFE852A}"/>
-          </ac:picMkLst>
-        </pc:picChg>
-        <pc:picChg chg="del">
-          <ac:chgData name="Yannick Spatz" userId="7b660818652cf050" providerId="LiveId" clId="{F5D817D4-B95E-4E17-82DC-0F3432201AD6}" dt="2024-11-28T12:26:43.508" v="2138" actId="478"/>
-          <ac:picMkLst>
-            <pc:docMk/>
-            <pc:sldMk cId="1870424570" sldId="268"/>
-            <ac:picMk id="47" creationId="{F41E6F8B-0B2F-B23C-47AA-0D9C66D84B9B}"/>
-          </ac:picMkLst>
-        </pc:picChg>
-        <pc:picChg chg="del">
-          <ac:chgData name="Yannick Spatz" userId="7b660818652cf050" providerId="LiveId" clId="{F5D817D4-B95E-4E17-82DC-0F3432201AD6}" dt="2024-11-28T12:26:43.508" v="2138" actId="478"/>
-          <ac:picMkLst>
-            <pc:docMk/>
-            <pc:sldMk cId="1870424570" sldId="268"/>
-            <ac:picMk id="48" creationId="{B8199807-874B-3744-559F-BBFBA4636D0D}"/>
-          </ac:picMkLst>
-        </pc:picChg>
-        <pc:picChg chg="del">
-          <ac:chgData name="Yannick Spatz" userId="7b660818652cf050" providerId="LiveId" clId="{F5D817D4-B95E-4E17-82DC-0F3432201AD6}" dt="2024-11-28T12:26:45.286" v="2141" actId="478"/>
-          <ac:picMkLst>
-            <pc:docMk/>
-            <pc:sldMk cId="1870424570" sldId="268"/>
-            <ac:picMk id="1026" creationId="{E69F3827-268E-9502-244F-5702BF712295}"/>
-          </ac:picMkLst>
-        </pc:picChg>
-        <pc:picChg chg="del">
-          <ac:chgData name="Yannick Spatz" userId="7b660818652cf050" providerId="LiveId" clId="{F5D817D4-B95E-4E17-82DC-0F3432201AD6}" dt="2024-11-28T12:26:44.254" v="2139" actId="478"/>
-          <ac:picMkLst>
-            <pc:docMk/>
-            <pc:sldMk cId="1870424570" sldId="268"/>
-            <ac:picMk id="1028" creationId="{F9AA3C86-2A19-D445-D49A-1D0DFCD8C44F}"/>
-          </ac:picMkLst>
-        </pc:picChg>
-        <pc:picChg chg="del">
-          <ac:chgData name="Yannick Spatz" userId="7b660818652cf050" providerId="LiveId" clId="{F5D817D4-B95E-4E17-82DC-0F3432201AD6}" dt="2024-11-28T12:26:43.508" v="2138" actId="478"/>
-          <ac:picMkLst>
-            <pc:docMk/>
-            <pc:sldMk cId="1870424570" sldId="268"/>
-            <ac:picMk id="1032" creationId="{8EC97763-0AC1-E64A-C5C2-E527DED0ABAB}"/>
-          </ac:picMkLst>
-        </pc:picChg>
-        <pc:cxnChg chg="del">
-          <ac:chgData name="Yannick Spatz" userId="7b660818652cf050" providerId="LiveId" clId="{F5D817D4-B95E-4E17-82DC-0F3432201AD6}" dt="2024-11-28T12:26:43.508" v="2138" actId="478"/>
-          <ac:cxnSpMkLst>
-            <pc:docMk/>
-            <pc:sldMk cId="1870424570" sldId="268"/>
-            <ac:cxnSpMk id="8" creationId="{5AE55E2C-17D2-0E85-1B06-1AB64E3C8F88}"/>
-          </ac:cxnSpMkLst>
-        </pc:cxnChg>
-        <pc:cxnChg chg="del">
-          <ac:chgData name="Yannick Spatz" userId="7b660818652cf050" providerId="LiveId" clId="{F5D817D4-B95E-4E17-82DC-0F3432201AD6}" dt="2024-11-28T12:26:43.508" v="2138" actId="478"/>
-          <ac:cxnSpMkLst>
-            <pc:docMk/>
-            <pc:sldMk cId="1870424570" sldId="268"/>
-            <ac:cxnSpMk id="17" creationId="{DF777C2B-2496-152F-5368-52ABB8FCBA4B}"/>
-          </ac:cxnSpMkLst>
-        </pc:cxnChg>
-        <pc:cxnChg chg="del">
-          <ac:chgData name="Yannick Spatz" userId="7b660818652cf050" providerId="LiveId" clId="{F5D817D4-B95E-4E17-82DC-0F3432201AD6}" dt="2024-11-28T12:26:43.508" v="2138" actId="478"/>
-          <ac:cxnSpMkLst>
-            <pc:docMk/>
-            <pc:sldMk cId="1870424570" sldId="268"/>
-            <ac:cxnSpMk id="24" creationId="{E0F6AACF-3C4B-16BD-7005-98609F1ABEB4}"/>
-          </ac:cxnSpMkLst>
-        </pc:cxnChg>
-        <pc:cxnChg chg="del">
-          <ac:chgData name="Yannick Spatz" userId="7b660818652cf050" providerId="LiveId" clId="{F5D817D4-B95E-4E17-82DC-0F3432201AD6}" dt="2024-11-28T12:26:43.508" v="2138" actId="478"/>
-          <ac:cxnSpMkLst>
-            <pc:docMk/>
-            <pc:sldMk cId="1870424570" sldId="268"/>
-            <ac:cxnSpMk id="31" creationId="{5EC7FC2B-069C-3D71-FF24-D3ABEA4BA7D8}"/>
-          </ac:cxnSpMkLst>
-        </pc:cxnChg>
-        <pc:cxnChg chg="del">
-          <ac:chgData name="Yannick Spatz" userId="7b660818652cf050" providerId="LiveId" clId="{F5D817D4-B95E-4E17-82DC-0F3432201AD6}" dt="2024-11-28T12:26:43.508" v="2138" actId="478"/>
-          <ac:cxnSpMkLst>
-            <pc:docMk/>
-            <pc:sldMk cId="1870424570" sldId="268"/>
-            <ac:cxnSpMk id="39" creationId="{3393C422-BB8B-BC35-84F4-6CD2FA213A48}"/>
-          </ac:cxnSpMkLst>
-        </pc:cxnChg>
-        <pc:cxnChg chg="del">
-          <ac:chgData name="Yannick Spatz" userId="7b660818652cf050" providerId="LiveId" clId="{F5D817D4-B95E-4E17-82DC-0F3432201AD6}" dt="2024-11-28T12:26:43.508" v="2138" actId="478"/>
-          <ac:cxnSpMkLst>
-            <pc:docMk/>
-            <pc:sldMk cId="1870424570" sldId="268"/>
-            <ac:cxnSpMk id="62" creationId="{9E61E791-36CE-E95A-902F-5B660A2FDB9E}"/>
-          </ac:cxnSpMkLst>
-        </pc:cxnChg>
-        <pc:cxnChg chg="del">
-          <ac:chgData name="Yannick Spatz" userId="7b660818652cf050" providerId="LiveId" clId="{F5D817D4-B95E-4E17-82DC-0F3432201AD6}" dt="2024-11-28T12:26:43.508" v="2138" actId="478"/>
-          <ac:cxnSpMkLst>
-            <pc:docMk/>
-            <pc:sldMk cId="1870424570" sldId="268"/>
-            <ac:cxnSpMk id="1024" creationId="{56BC9BAC-26FD-3243-D68B-370649F6EF41}"/>
-          </ac:cxnSpMkLst>
-        </pc:cxnChg>
-        <pc:cxnChg chg="del">
-          <ac:chgData name="Yannick Spatz" userId="7b660818652cf050" providerId="LiveId" clId="{F5D817D4-B95E-4E17-82DC-0F3432201AD6}" dt="2024-11-28T12:26:43.508" v="2138" actId="478"/>
-          <ac:cxnSpMkLst>
-            <pc:docMk/>
-            <pc:sldMk cId="1870424570" sldId="268"/>
-            <ac:cxnSpMk id="1029" creationId="{95065012-FAAB-4974-B4ED-D6544502CD73}"/>
-          </ac:cxnSpMkLst>
-        </pc:cxnChg>
-        <pc:cxnChg chg="del">
-          <ac:chgData name="Yannick Spatz" userId="7b660818652cf050" providerId="LiveId" clId="{F5D817D4-B95E-4E17-82DC-0F3432201AD6}" dt="2024-11-28T12:26:43.508" v="2138" actId="478"/>
-          <ac:cxnSpMkLst>
-            <pc:docMk/>
-            <pc:sldMk cId="1870424570" sldId="268"/>
-            <ac:cxnSpMk id="1034" creationId="{6A7A11A6-334A-7A1E-FCB6-CBF7A37ECFCE}"/>
-          </ac:cxnSpMkLst>
-        </pc:cxnChg>
-        <pc:cxnChg chg="del">
-          <ac:chgData name="Yannick Spatz" userId="7b660818652cf050" providerId="LiveId" clId="{F5D817D4-B95E-4E17-82DC-0F3432201AD6}" dt="2024-11-28T12:26:43.508" v="2138" actId="478"/>
-          <ac:cxnSpMkLst>
-            <pc:docMk/>
-            <pc:sldMk cId="1870424570" sldId="268"/>
-            <ac:cxnSpMk id="1037" creationId="{D1A93BCF-03F9-CA8F-D36A-08875373A873}"/>
-          </ac:cxnSpMkLst>
-        </pc:cxnChg>
-      </pc:sldChg>
-      <pc:sldChg chg="del">
-        <pc:chgData name="Yannick Spatz" userId="7b660818652cf050" providerId="LiveId" clId="{F5D817D4-B95E-4E17-82DC-0F3432201AD6}" dt="2024-11-28T07:55:50.878" v="11" actId="47"/>
-        <pc:sldMkLst>
-          <pc:docMk/>
-          <pc:sldMk cId="3070881165" sldId="276"/>
-        </pc:sldMkLst>
-      </pc:sldChg>
-      <pc:sldChg chg="del">
-        <pc:chgData name="Yannick Spatz" userId="7b660818652cf050" providerId="LiveId" clId="{F5D817D4-B95E-4E17-82DC-0F3432201AD6}" dt="2024-11-28T07:55:50.878" v="11" actId="47"/>
-        <pc:sldMkLst>
-          <pc:docMk/>
-          <pc:sldMk cId="2398730917" sldId="277"/>
-        </pc:sldMkLst>
       </pc:sldChg>
     </pc:docChg>
   </pc:docChgLst>
@@ -2086,7 +1198,7 @@
               <a:pPr>
                 <a:defRPr/>
               </a:pPr>
-              <a:t>28.11.2024</a:t>
+              <a:t>15.01.2025</a:t>
             </a:fld>
             <a:endParaRPr lang="de-CH"/>
           </a:p>
@@ -16804,7 +15916,7 @@
         </p:blipFill>
         <p:spPr bwMode="auto">
           <a:xfrm>
-            <a:off x="464072" y="4303767"/>
+            <a:off x="3373697" y="4414529"/>
             <a:ext cx="2076767" cy="2079174"/>
           </a:xfrm>
           <a:prstGeom prst="rect">
@@ -18975,6 +18087,15 @@
 </file>
 
 <file path=customXml/item1.xml><?xml version="1.0" encoding="utf-8"?>
+<?mso-contentType ?>
+<FormTemplates xmlns="http://schemas.microsoft.com/sharepoint/v3/contenttype/forms">
+  <Display>DocumentLibraryForm</Display>
+  <Edit>DocumentLibraryForm</Edit>
+  <New>DocumentLibraryForm</New>
+</FormTemplates>
+</file>
+
+<file path=customXml/item2.xml><?xml version="1.0" encoding="utf-8"?>
 <ct:contentTypeSchema xmlns:ct="http://schemas.microsoft.com/office/2006/metadata/contentType" xmlns:ma="http://schemas.microsoft.com/office/2006/metadata/properties/metaAttributes" ct:_="" ma:_="" ma:contentTypeName="Dokument" ma:contentTypeID="0x0101006C5E7711755FE64DB61EA4D9FB910FA3" ma:contentTypeVersion="13" ma:contentTypeDescription="Ein neues Dokument erstellen." ma:contentTypeScope="" ma:versionID="8a610adc8223539692a4b4f8994fd6f5">
   <xsd:schema xmlns:xsd="http://www.w3.org/2001/XMLSchema" xmlns:xs="http://www.w3.org/2001/XMLSchema" xmlns:p="http://schemas.microsoft.com/office/2006/metadata/properties" xmlns:ns2="dd8cb13b-09cd-4f71-a146-5d96908aee33" xmlns:ns3="484c8c59-755d-4516-b8d2-1621b38262b4" xmlns:ns4="65111c24-9a2a-477f-abc3-258134d3f2a0" targetNamespace="http://schemas.microsoft.com/office/2006/metadata/properties" ma:root="true" ma:fieldsID="c430a44af658d9d8bb850598a3faaf91" ns2:_="" ns3:_="" ns4:_="">
     <xsd:import namespace="dd8cb13b-09cd-4f71-a146-5d96908aee33"/>
@@ -19202,15 +18323,6 @@
 </ct:contentTypeSchema>
 </file>
 
-<file path=customXml/item2.xml><?xml version="1.0" encoding="utf-8"?>
-<?mso-contentType ?>
-<FormTemplates xmlns="http://schemas.microsoft.com/sharepoint/v3/contenttype/forms">
-  <Display>DocumentLibraryForm</Display>
-  <Edit>DocumentLibraryForm</Edit>
-  <New>DocumentLibraryForm</New>
-</FormTemplates>
-</file>
-
 <file path=customXml/item3.xml><?xml version="1.0" encoding="utf-8"?>
 <p:properties xmlns:p="http://schemas.microsoft.com/office/2006/metadata/properties" xmlns:xsi="http://www.w3.org/2001/XMLSchema-instance" xmlns:pc="http://schemas.microsoft.com/office/infopath/2007/PartnerControls">
   <documentManagement>
@@ -19225,6 +18337,14 @@
 </file>
 
 <file path=customXml/itemProps1.xml><?xml version="1.0" encoding="utf-8"?>
+<ds:datastoreItem xmlns:ds="http://schemas.openxmlformats.org/officeDocument/2006/customXml" ds:itemID="{7D2542CC-467A-4770-BDA7-ADCFF09F6DBF}">
+  <ds:schemaRefs>
+    <ds:schemaRef ds:uri="http://schemas.microsoft.com/sharepoint/v3/contenttype/forms"/>
+  </ds:schemaRefs>
+</ds:datastoreItem>
+</file>
+
+<file path=customXml/itemProps2.xml><?xml version="1.0" encoding="utf-8"?>
 <ds:datastoreItem xmlns:ds="http://schemas.openxmlformats.org/officeDocument/2006/customXml" ds:itemID="{BE5F5B90-80A8-4C33-AD4B-4ED19CA568DF}">
   <ds:schemaRefs>
     <ds:schemaRef ds:uri="http://schemas.microsoft.com/office/2006/metadata/contentType"/>
@@ -19240,14 +18360,6 @@
     <ds:schemaRef ds:uri="http://purl.org/dc/elements/1.1/"/>
     <ds:schemaRef ds:uri="http://purl.org/dc/terms/"/>
     <ds:schemaRef ds:uri="http://schemas.microsoft.com/internal/obd"/>
-  </ds:schemaRefs>
-</ds:datastoreItem>
-</file>
-
-<file path=customXml/itemProps2.xml><?xml version="1.0" encoding="utf-8"?>
-<ds:datastoreItem xmlns:ds="http://schemas.openxmlformats.org/officeDocument/2006/customXml" ds:itemID="{7D2542CC-467A-4770-BDA7-ADCFF09F6DBF}">
-  <ds:schemaRefs>
-    <ds:schemaRef ds:uri="http://schemas.microsoft.com/sharepoint/v3/contenttype/forms"/>
   </ds:schemaRefs>
 </ds:datastoreItem>
 </file>
